--- a/papers/coupled-simulations/AJK2011/AJK_Figure_Gen.pptx
+++ b/papers/coupled-simulations/AJK2011/AJK_Figure_Gen.pptx
@@ -20,6 +20,13 @@
     <p:sldId id="269" r:id="rId14"/>
     <p:sldId id="270" r:id="rId15"/>
     <p:sldId id="271" r:id="rId16"/>
+    <p:sldId id="272" r:id="rId17"/>
+    <p:sldId id="273" r:id="rId18"/>
+    <p:sldId id="274" r:id="rId19"/>
+    <p:sldId id="275" r:id="rId20"/>
+    <p:sldId id="276" r:id="rId21"/>
+    <p:sldId id="277" r:id="rId22"/>
+    <p:sldId id="278" r:id="rId23"/>
   </p:sldIdLst>
   <p:sldSz cx="9144000" cy="6858000" type="screen4x3"/>
   <p:notesSz cx="6858000" cy="9144000"/>
@@ -303,7 +310,7 @@
             <a:fld id="{694CEEBB-352F-423C-BE1B-BB6B9033B04D}" type="datetimeFigureOut">
               <a:rPr lang="ko-KR" altLang="en-US" smtClean="0"/>
               <a:pPr/>
-              <a:t>2012-06-11</a:t>
+              <a:t>2012-07-19</a:t>
             </a:fld>
             <a:endParaRPr lang="ko-KR" altLang="en-US"/>
           </a:p>
@@ -470,7 +477,7 @@
             <a:fld id="{694CEEBB-352F-423C-BE1B-BB6B9033B04D}" type="datetimeFigureOut">
               <a:rPr lang="ko-KR" altLang="en-US" smtClean="0"/>
               <a:pPr/>
-              <a:t>2012-06-11</a:t>
+              <a:t>2012-07-19</a:t>
             </a:fld>
             <a:endParaRPr lang="ko-KR" altLang="en-US"/>
           </a:p>
@@ -647,7 +654,7 @@
             <a:fld id="{694CEEBB-352F-423C-BE1B-BB6B9033B04D}" type="datetimeFigureOut">
               <a:rPr lang="ko-KR" altLang="en-US" smtClean="0"/>
               <a:pPr/>
-              <a:t>2012-06-11</a:t>
+              <a:t>2012-07-19</a:t>
             </a:fld>
             <a:endParaRPr lang="ko-KR" altLang="en-US"/>
           </a:p>
@@ -814,7 +821,7 @@
             <a:fld id="{694CEEBB-352F-423C-BE1B-BB6B9033B04D}" type="datetimeFigureOut">
               <a:rPr lang="ko-KR" altLang="en-US" smtClean="0"/>
               <a:pPr/>
-              <a:t>2012-06-11</a:t>
+              <a:t>2012-07-19</a:t>
             </a:fld>
             <a:endParaRPr lang="ko-KR" altLang="en-US"/>
           </a:p>
@@ -1057,7 +1064,7 @@
             <a:fld id="{694CEEBB-352F-423C-BE1B-BB6B9033B04D}" type="datetimeFigureOut">
               <a:rPr lang="ko-KR" altLang="en-US" smtClean="0"/>
               <a:pPr/>
-              <a:t>2012-06-11</a:t>
+              <a:t>2012-07-19</a:t>
             </a:fld>
             <a:endParaRPr lang="ko-KR" altLang="en-US"/>
           </a:p>
@@ -1342,7 +1349,7 @@
             <a:fld id="{694CEEBB-352F-423C-BE1B-BB6B9033B04D}" type="datetimeFigureOut">
               <a:rPr lang="ko-KR" altLang="en-US" smtClean="0"/>
               <a:pPr/>
-              <a:t>2012-06-11</a:t>
+              <a:t>2012-07-19</a:t>
             </a:fld>
             <a:endParaRPr lang="ko-KR" altLang="en-US"/>
           </a:p>
@@ -1761,7 +1768,7 @@
             <a:fld id="{694CEEBB-352F-423C-BE1B-BB6B9033B04D}" type="datetimeFigureOut">
               <a:rPr lang="ko-KR" altLang="en-US" smtClean="0"/>
               <a:pPr/>
-              <a:t>2012-06-11</a:t>
+              <a:t>2012-07-19</a:t>
             </a:fld>
             <a:endParaRPr lang="ko-KR" altLang="en-US"/>
           </a:p>
@@ -1876,7 +1883,7 @@
             <a:fld id="{694CEEBB-352F-423C-BE1B-BB6B9033B04D}" type="datetimeFigureOut">
               <a:rPr lang="ko-KR" altLang="en-US" smtClean="0"/>
               <a:pPr/>
-              <a:t>2012-06-11</a:t>
+              <a:t>2012-07-19</a:t>
             </a:fld>
             <a:endParaRPr lang="ko-KR" altLang="en-US"/>
           </a:p>
@@ -1968,7 +1975,7 @@
             <a:fld id="{694CEEBB-352F-423C-BE1B-BB6B9033B04D}" type="datetimeFigureOut">
               <a:rPr lang="ko-KR" altLang="en-US" smtClean="0"/>
               <a:pPr/>
-              <a:t>2012-06-11</a:t>
+              <a:t>2012-07-19</a:t>
             </a:fld>
             <a:endParaRPr lang="ko-KR" altLang="en-US"/>
           </a:p>
@@ -2242,7 +2249,7 @@
             <a:fld id="{694CEEBB-352F-423C-BE1B-BB6B9033B04D}" type="datetimeFigureOut">
               <a:rPr lang="ko-KR" altLang="en-US" smtClean="0"/>
               <a:pPr/>
-              <a:t>2012-06-11</a:t>
+              <a:t>2012-07-19</a:t>
             </a:fld>
             <a:endParaRPr lang="ko-KR" altLang="en-US"/>
           </a:p>
@@ -2492,7 +2499,7 @@
             <a:fld id="{694CEEBB-352F-423C-BE1B-BB6B9033B04D}" type="datetimeFigureOut">
               <a:rPr lang="ko-KR" altLang="en-US" smtClean="0"/>
               <a:pPr/>
-              <a:t>2012-06-11</a:t>
+              <a:t>2012-07-19</a:t>
             </a:fld>
             <a:endParaRPr lang="ko-KR" altLang="en-US"/>
           </a:p>
@@ -2702,7 +2709,7 @@
             <a:fld id="{694CEEBB-352F-423C-BE1B-BB6B9033B04D}" type="datetimeFigureOut">
               <a:rPr lang="ko-KR" altLang="en-US" smtClean="0"/>
               <a:pPr/>
-              <a:t>2012-06-11</a:t>
+              <a:t>2012-07-19</a:t>
             </a:fld>
             <a:endParaRPr lang="ko-KR" altLang="en-US"/>
           </a:p>
@@ -18595,15 +18602,7 @@
                     <a:schemeClr val="bg1"/>
                   </a:solidFill>
                 </a:rPr>
-                <a:t>External </a:t>
-              </a:r>
-              <a:r>
-                <a:rPr lang="sv-SE" sz="2400" dirty="0" smtClean="0">
-                  <a:solidFill>
-                    <a:schemeClr val="bg1"/>
-                  </a:solidFill>
-                </a:rPr>
-                <a:t>Force</a:t>
+                <a:t>External Force</a:t>
               </a:r>
               <a:endParaRPr lang="sv-SE" sz="2400" dirty="0">
                 <a:solidFill>
@@ -23092,6 +23091,682 @@
           </p:style>
         </p:cxnSp>
       </p:grpSp>
+    </p:spTree>
+  </p:cSld>
+  <p:clrMapOvr>
+    <a:masterClrMapping/>
+  </p:clrMapOvr>
+</p:sld>
+</file>
+
+<file path=ppt/slides/slide16.xml><?xml version="1.0" encoding="utf-8"?>
+<p:sld xmlns:a="http://schemas.openxmlformats.org/drawingml/2006/main" xmlns:r="http://schemas.openxmlformats.org/officeDocument/2006/relationships" xmlns:p="http://schemas.openxmlformats.org/presentationml/2006/main">
+  <p:cSld>
+    <p:spTree>
+      <p:nvGrpSpPr>
+        <p:cNvPr id="1" name=""/>
+        <p:cNvGrpSpPr/>
+        <p:nvPr/>
+      </p:nvGrpSpPr>
+      <p:grpSpPr>
+        <a:xfrm>
+          <a:off x="0" y="0"/>
+          <a:ext cx="0" cy="0"/>
+          <a:chOff x="0" y="0"/>
+          <a:chExt cx="0" cy="0"/>
+        </a:xfrm>
+      </p:grpSpPr>
+      <p:pic>
+        <p:nvPicPr>
+          <p:cNvPr id="1026" name="Picture 2"/>
+          <p:cNvPicPr>
+            <a:picLocks noChangeAspect="1" noChangeArrowheads="1"/>
+          </p:cNvPicPr>
+          <p:nvPr/>
+        </p:nvPicPr>
+        <p:blipFill>
+          <a:blip r:embed="rId2" cstate="print"/>
+          <a:srcRect/>
+          <a:stretch>
+            <a:fillRect/>
+          </a:stretch>
+        </p:blipFill>
+        <p:spPr bwMode="auto">
+          <a:xfrm>
+            <a:off x="1482725" y="688975"/>
+            <a:ext cx="6176963" cy="5478463"/>
+          </a:xfrm>
+          <a:prstGeom prst="rect">
+            <a:avLst/>
+          </a:prstGeom>
+          <a:noFill/>
+          <a:ln w="9525">
+            <a:noFill/>
+            <a:miter lim="800000"/>
+            <a:headEnd/>
+            <a:tailEnd/>
+          </a:ln>
+          <a:effectLst/>
+        </p:spPr>
+      </p:pic>
+      <p:grpSp>
+        <p:nvGrpSpPr>
+          <p:cNvPr id="5" name="그룹 4"/>
+          <p:cNvGrpSpPr/>
+          <p:nvPr/>
+        </p:nvGrpSpPr>
+        <p:grpSpPr>
+          <a:xfrm>
+            <a:off x="2667000" y="1371600"/>
+            <a:ext cx="2743200" cy="990600"/>
+            <a:chOff x="2667000" y="1371600"/>
+            <a:chExt cx="2743200" cy="990600"/>
+          </a:xfrm>
+        </p:grpSpPr>
+        <p:pic>
+          <p:nvPicPr>
+            <p:cNvPr id="1027" name="Picture 3"/>
+            <p:cNvPicPr>
+              <a:picLocks noChangeAspect="1" noChangeArrowheads="1"/>
+            </p:cNvPicPr>
+            <p:nvPr/>
+          </p:nvPicPr>
+          <p:blipFill>
+            <a:blip r:embed="rId3" cstate="print"/>
+            <a:srcRect l="36443" t="12460" r="27782" b="69458"/>
+            <a:stretch>
+              <a:fillRect/>
+            </a:stretch>
+          </p:blipFill>
+          <p:spPr bwMode="auto">
+            <a:xfrm>
+              <a:off x="3200400" y="1371600"/>
+              <a:ext cx="2209800" cy="990600"/>
+            </a:xfrm>
+            <a:prstGeom prst="rect">
+              <a:avLst/>
+            </a:prstGeom>
+            <a:noFill/>
+            <a:ln w="9525">
+              <a:noFill/>
+              <a:miter lim="800000"/>
+              <a:headEnd/>
+              <a:tailEnd/>
+            </a:ln>
+            <a:effectLst/>
+          </p:spPr>
+        </p:pic>
+        <p:pic>
+          <p:nvPicPr>
+            <p:cNvPr id="1028" name="Picture 4"/>
+            <p:cNvPicPr>
+              <a:picLocks noChangeAspect="1" noChangeArrowheads="1"/>
+            </p:cNvPicPr>
+            <p:nvPr/>
+          </p:nvPicPr>
+          <p:blipFill>
+            <a:blip r:embed="rId4" cstate="print"/>
+            <a:srcRect l="22873" t="13851" r="68492" b="68067"/>
+            <a:stretch>
+              <a:fillRect/>
+            </a:stretch>
+          </p:blipFill>
+          <p:spPr bwMode="auto">
+            <a:xfrm>
+              <a:off x="2667000" y="1371600"/>
+              <a:ext cx="533400" cy="990600"/>
+            </a:xfrm>
+            <a:prstGeom prst="rect">
+              <a:avLst/>
+            </a:prstGeom>
+            <a:noFill/>
+            <a:ln w="9525">
+              <a:noFill/>
+              <a:miter lim="800000"/>
+              <a:headEnd/>
+              <a:tailEnd/>
+            </a:ln>
+            <a:effectLst/>
+          </p:spPr>
+        </p:pic>
+      </p:grpSp>
+      <p:sp>
+        <p:nvSpPr>
+          <p:cNvPr id="6" name="TextBox 5"/>
+          <p:cNvSpPr txBox="1"/>
+          <p:nvPr/>
+        </p:nvSpPr>
+        <p:spPr>
+          <a:xfrm>
+            <a:off x="1752600" y="152400"/>
+            <a:ext cx="6172200" cy="369332"/>
+          </a:xfrm>
+          <a:prstGeom prst="rect">
+            <a:avLst/>
+          </a:prstGeom>
+          <a:noFill/>
+        </p:spPr>
+        <p:txBody>
+          <a:bodyPr wrap="square" rtlCol="0">
+            <a:spAutoFit/>
+          </a:bodyPr>
+          <a:lstStyle/>
+          <a:p>
+            <a:r>
+              <a:rPr lang="en-US" altLang="ko-KR" dirty="0" smtClean="0"/>
+              <a:t>Org</a:t>
+            </a:r>
+            <a:endParaRPr lang="ko-KR" altLang="en-US" dirty="0"/>
+          </a:p>
+        </p:txBody>
+      </p:sp>
+    </p:spTree>
+  </p:cSld>
+  <p:clrMapOvr>
+    <a:masterClrMapping/>
+  </p:clrMapOvr>
+</p:sld>
+</file>
+
+<file path=ppt/slides/slide17.xml><?xml version="1.0" encoding="utf-8"?>
+<p:sld xmlns:a="http://schemas.openxmlformats.org/drawingml/2006/main" xmlns:r="http://schemas.openxmlformats.org/officeDocument/2006/relationships" xmlns:p="http://schemas.openxmlformats.org/presentationml/2006/main">
+  <p:cSld>
+    <p:spTree>
+      <p:nvGrpSpPr>
+        <p:cNvPr id="1" name=""/>
+        <p:cNvGrpSpPr/>
+        <p:nvPr/>
+      </p:nvGrpSpPr>
+      <p:grpSpPr>
+        <a:xfrm>
+          <a:off x="0" y="0"/>
+          <a:ext cx="0" cy="0"/>
+          <a:chOff x="0" y="0"/>
+          <a:chExt cx="0" cy="0"/>
+        </a:xfrm>
+      </p:grpSpPr>
+      <p:pic>
+        <p:nvPicPr>
+          <p:cNvPr id="2050" name="Picture 2"/>
+          <p:cNvPicPr>
+            <a:picLocks noChangeAspect="1" noChangeArrowheads="1"/>
+          </p:cNvPicPr>
+          <p:nvPr/>
+        </p:nvPicPr>
+        <p:blipFill>
+          <a:blip r:embed="rId2" cstate="print"/>
+          <a:srcRect/>
+          <a:stretch>
+            <a:fillRect/>
+          </a:stretch>
+        </p:blipFill>
+        <p:spPr bwMode="auto">
+          <a:xfrm>
+            <a:off x="1482725" y="688975"/>
+            <a:ext cx="6176963" cy="5478463"/>
+          </a:xfrm>
+          <a:prstGeom prst="rect">
+            <a:avLst/>
+          </a:prstGeom>
+          <a:noFill/>
+          <a:ln w="9525">
+            <a:noFill/>
+            <a:miter lim="800000"/>
+            <a:headEnd/>
+            <a:tailEnd/>
+          </a:ln>
+          <a:effectLst/>
+        </p:spPr>
+      </p:pic>
+      <p:grpSp>
+        <p:nvGrpSpPr>
+          <p:cNvPr id="2" name="그룹 4"/>
+          <p:cNvGrpSpPr/>
+          <p:nvPr/>
+        </p:nvGrpSpPr>
+        <p:grpSpPr>
+          <a:xfrm>
+            <a:off x="2667000" y="1371600"/>
+            <a:ext cx="2743200" cy="990600"/>
+            <a:chOff x="2667000" y="1371600"/>
+            <a:chExt cx="2743200" cy="990600"/>
+          </a:xfrm>
+        </p:grpSpPr>
+        <p:pic>
+          <p:nvPicPr>
+            <p:cNvPr id="1027" name="Picture 3"/>
+            <p:cNvPicPr>
+              <a:picLocks noChangeAspect="1" noChangeArrowheads="1"/>
+            </p:cNvPicPr>
+            <p:nvPr/>
+          </p:nvPicPr>
+          <p:blipFill>
+            <a:blip r:embed="rId3" cstate="print"/>
+            <a:srcRect l="36443" t="12460" r="27782" b="69458"/>
+            <a:stretch>
+              <a:fillRect/>
+            </a:stretch>
+          </p:blipFill>
+          <p:spPr bwMode="auto">
+            <a:xfrm>
+              <a:off x="3200400" y="1371600"/>
+              <a:ext cx="2209800" cy="990600"/>
+            </a:xfrm>
+            <a:prstGeom prst="rect">
+              <a:avLst/>
+            </a:prstGeom>
+            <a:noFill/>
+            <a:ln w="9525">
+              <a:noFill/>
+              <a:miter lim="800000"/>
+              <a:headEnd/>
+              <a:tailEnd/>
+            </a:ln>
+            <a:effectLst/>
+          </p:spPr>
+        </p:pic>
+        <p:pic>
+          <p:nvPicPr>
+            <p:cNvPr id="1028" name="Picture 4"/>
+            <p:cNvPicPr>
+              <a:picLocks noChangeAspect="1" noChangeArrowheads="1"/>
+            </p:cNvPicPr>
+            <p:nvPr/>
+          </p:nvPicPr>
+          <p:blipFill>
+            <a:blip r:embed="rId4" cstate="print"/>
+            <a:srcRect l="22873" t="13851" r="68492" b="68067"/>
+            <a:stretch>
+              <a:fillRect/>
+            </a:stretch>
+          </p:blipFill>
+          <p:spPr bwMode="auto">
+            <a:xfrm>
+              <a:off x="2667000" y="1371600"/>
+              <a:ext cx="533400" cy="990600"/>
+            </a:xfrm>
+            <a:prstGeom prst="rect">
+              <a:avLst/>
+            </a:prstGeom>
+            <a:noFill/>
+            <a:ln w="9525">
+              <a:noFill/>
+              <a:miter lim="800000"/>
+              <a:headEnd/>
+              <a:tailEnd/>
+            </a:ln>
+            <a:effectLst/>
+          </p:spPr>
+        </p:pic>
+      </p:grpSp>
+      <p:sp>
+        <p:nvSpPr>
+          <p:cNvPr id="6" name="TextBox 5"/>
+          <p:cNvSpPr txBox="1"/>
+          <p:nvPr/>
+        </p:nvSpPr>
+        <p:spPr>
+          <a:xfrm>
+            <a:off x="1752600" y="152400"/>
+            <a:ext cx="6172200" cy="369332"/>
+          </a:xfrm>
+          <a:prstGeom prst="rect">
+            <a:avLst/>
+          </a:prstGeom>
+          <a:noFill/>
+        </p:spPr>
+        <p:txBody>
+          <a:bodyPr wrap="square" rtlCol="0">
+            <a:spAutoFit/>
+          </a:bodyPr>
+          <a:lstStyle/>
+          <a:p>
+            <a:r>
+              <a:rPr lang="en-US" altLang="ko-KR" dirty="0" smtClean="0"/>
+              <a:t>s5</a:t>
+            </a:r>
+            <a:endParaRPr lang="ko-KR" altLang="en-US" dirty="0"/>
+          </a:p>
+        </p:txBody>
+      </p:sp>
+    </p:spTree>
+  </p:cSld>
+  <p:clrMapOvr>
+    <a:masterClrMapping/>
+  </p:clrMapOvr>
+</p:sld>
+</file>
+
+<file path=ppt/slides/slide18.xml><?xml version="1.0" encoding="utf-8"?>
+<p:sld xmlns:a="http://schemas.openxmlformats.org/drawingml/2006/main" xmlns:r="http://schemas.openxmlformats.org/officeDocument/2006/relationships" xmlns:p="http://schemas.openxmlformats.org/presentationml/2006/main">
+  <p:cSld>
+    <p:spTree>
+      <p:nvGrpSpPr>
+        <p:cNvPr id="1" name=""/>
+        <p:cNvGrpSpPr/>
+        <p:nvPr/>
+      </p:nvGrpSpPr>
+      <p:grpSpPr>
+        <a:xfrm>
+          <a:off x="0" y="0"/>
+          <a:ext cx="0" cy="0"/>
+          <a:chOff x="0" y="0"/>
+          <a:chExt cx="0" cy="0"/>
+        </a:xfrm>
+      </p:grpSpPr>
+      <p:pic>
+        <p:nvPicPr>
+          <p:cNvPr id="3074" name="Picture 2"/>
+          <p:cNvPicPr>
+            <a:picLocks noChangeAspect="1" noChangeArrowheads="1"/>
+          </p:cNvPicPr>
+          <p:nvPr/>
+        </p:nvPicPr>
+        <p:blipFill>
+          <a:blip r:embed="rId2" cstate="print"/>
+          <a:srcRect/>
+          <a:stretch>
+            <a:fillRect/>
+          </a:stretch>
+        </p:blipFill>
+        <p:spPr bwMode="auto">
+          <a:xfrm>
+            <a:off x="1482725" y="688975"/>
+            <a:ext cx="6176963" cy="5478463"/>
+          </a:xfrm>
+          <a:prstGeom prst="rect">
+            <a:avLst/>
+          </a:prstGeom>
+          <a:noFill/>
+          <a:ln w="9525">
+            <a:noFill/>
+            <a:miter lim="800000"/>
+            <a:headEnd/>
+            <a:tailEnd/>
+          </a:ln>
+          <a:effectLst/>
+        </p:spPr>
+      </p:pic>
+      <p:grpSp>
+        <p:nvGrpSpPr>
+          <p:cNvPr id="2" name="그룹 4"/>
+          <p:cNvGrpSpPr/>
+          <p:nvPr/>
+        </p:nvGrpSpPr>
+        <p:grpSpPr>
+          <a:xfrm>
+            <a:off x="2667000" y="1371600"/>
+            <a:ext cx="2743200" cy="990600"/>
+            <a:chOff x="2667000" y="1371600"/>
+            <a:chExt cx="2743200" cy="990600"/>
+          </a:xfrm>
+        </p:grpSpPr>
+        <p:pic>
+          <p:nvPicPr>
+            <p:cNvPr id="1027" name="Picture 3"/>
+            <p:cNvPicPr>
+              <a:picLocks noChangeAspect="1" noChangeArrowheads="1"/>
+            </p:cNvPicPr>
+            <p:nvPr/>
+          </p:nvPicPr>
+          <p:blipFill>
+            <a:blip r:embed="rId3" cstate="print"/>
+            <a:srcRect l="36443" t="12460" r="27782" b="69458"/>
+            <a:stretch>
+              <a:fillRect/>
+            </a:stretch>
+          </p:blipFill>
+          <p:spPr bwMode="auto">
+            <a:xfrm>
+              <a:off x="3200400" y="1371600"/>
+              <a:ext cx="2209800" cy="990600"/>
+            </a:xfrm>
+            <a:prstGeom prst="rect">
+              <a:avLst/>
+            </a:prstGeom>
+            <a:noFill/>
+            <a:ln w="9525">
+              <a:noFill/>
+              <a:miter lim="800000"/>
+              <a:headEnd/>
+              <a:tailEnd/>
+            </a:ln>
+            <a:effectLst/>
+          </p:spPr>
+        </p:pic>
+        <p:pic>
+          <p:nvPicPr>
+            <p:cNvPr id="1028" name="Picture 4"/>
+            <p:cNvPicPr>
+              <a:picLocks noChangeAspect="1" noChangeArrowheads="1"/>
+            </p:cNvPicPr>
+            <p:nvPr/>
+          </p:nvPicPr>
+          <p:blipFill>
+            <a:blip r:embed="rId4" cstate="print"/>
+            <a:srcRect l="22873" t="13851" r="68492" b="68067"/>
+            <a:stretch>
+              <a:fillRect/>
+            </a:stretch>
+          </p:blipFill>
+          <p:spPr bwMode="auto">
+            <a:xfrm>
+              <a:off x="2667000" y="1371600"/>
+              <a:ext cx="533400" cy="990600"/>
+            </a:xfrm>
+            <a:prstGeom prst="rect">
+              <a:avLst/>
+            </a:prstGeom>
+            <a:noFill/>
+            <a:ln w="9525">
+              <a:noFill/>
+              <a:miter lim="800000"/>
+              <a:headEnd/>
+              <a:tailEnd/>
+            </a:ln>
+            <a:effectLst/>
+          </p:spPr>
+        </p:pic>
+      </p:grpSp>
+      <p:sp>
+        <p:nvSpPr>
+          <p:cNvPr id="6" name="TextBox 5"/>
+          <p:cNvSpPr txBox="1"/>
+          <p:nvPr/>
+        </p:nvSpPr>
+        <p:spPr>
+          <a:xfrm>
+            <a:off x="1752600" y="152400"/>
+            <a:ext cx="6172200" cy="369332"/>
+          </a:xfrm>
+          <a:prstGeom prst="rect">
+            <a:avLst/>
+          </a:prstGeom>
+          <a:noFill/>
+        </p:spPr>
+        <p:txBody>
+          <a:bodyPr wrap="square" rtlCol="0">
+            <a:spAutoFit/>
+          </a:bodyPr>
+          <a:lstStyle/>
+          <a:p>
+            <a:r>
+              <a:rPr lang="en-US" altLang="ko-KR" dirty="0" smtClean="0"/>
+              <a:t>s9</a:t>
+            </a:r>
+            <a:endParaRPr lang="ko-KR" altLang="en-US" dirty="0"/>
+          </a:p>
+        </p:txBody>
+      </p:sp>
+    </p:spTree>
+  </p:cSld>
+  <p:clrMapOvr>
+    <a:masterClrMapping/>
+  </p:clrMapOvr>
+</p:sld>
+</file>
+
+<file path=ppt/slides/slide19.xml><?xml version="1.0" encoding="utf-8"?>
+<p:sld xmlns:a="http://schemas.openxmlformats.org/drawingml/2006/main" xmlns:r="http://schemas.openxmlformats.org/officeDocument/2006/relationships" xmlns:p="http://schemas.openxmlformats.org/presentationml/2006/main">
+  <p:cSld>
+    <p:spTree>
+      <p:nvGrpSpPr>
+        <p:cNvPr id="1" name=""/>
+        <p:cNvGrpSpPr/>
+        <p:nvPr/>
+      </p:nvGrpSpPr>
+      <p:grpSpPr>
+        <a:xfrm>
+          <a:off x="0" y="0"/>
+          <a:ext cx="0" cy="0"/>
+          <a:chOff x="0" y="0"/>
+          <a:chExt cx="0" cy="0"/>
+        </a:xfrm>
+      </p:grpSpPr>
+      <p:pic>
+        <p:nvPicPr>
+          <p:cNvPr id="4098" name="Picture 2"/>
+          <p:cNvPicPr>
+            <a:picLocks noChangeAspect="1" noChangeArrowheads="1"/>
+          </p:cNvPicPr>
+          <p:nvPr/>
+        </p:nvPicPr>
+        <p:blipFill>
+          <a:blip r:embed="rId2" cstate="print"/>
+          <a:srcRect/>
+          <a:stretch>
+            <a:fillRect/>
+          </a:stretch>
+        </p:blipFill>
+        <p:spPr bwMode="auto">
+          <a:xfrm>
+            <a:off x="1482725" y="688975"/>
+            <a:ext cx="6176963" cy="5478463"/>
+          </a:xfrm>
+          <a:prstGeom prst="rect">
+            <a:avLst/>
+          </a:prstGeom>
+          <a:noFill/>
+          <a:ln w="9525">
+            <a:noFill/>
+            <a:miter lim="800000"/>
+            <a:headEnd/>
+            <a:tailEnd/>
+          </a:ln>
+          <a:effectLst/>
+        </p:spPr>
+      </p:pic>
+      <p:grpSp>
+        <p:nvGrpSpPr>
+          <p:cNvPr id="2" name="그룹 4"/>
+          <p:cNvGrpSpPr/>
+          <p:nvPr/>
+        </p:nvGrpSpPr>
+        <p:grpSpPr>
+          <a:xfrm>
+            <a:off x="2667000" y="1371600"/>
+            <a:ext cx="2743200" cy="990600"/>
+            <a:chOff x="2667000" y="1371600"/>
+            <a:chExt cx="2743200" cy="990600"/>
+          </a:xfrm>
+        </p:grpSpPr>
+        <p:pic>
+          <p:nvPicPr>
+            <p:cNvPr id="1027" name="Picture 3"/>
+            <p:cNvPicPr>
+              <a:picLocks noChangeAspect="1" noChangeArrowheads="1"/>
+            </p:cNvPicPr>
+            <p:nvPr/>
+          </p:nvPicPr>
+          <p:blipFill>
+            <a:blip r:embed="rId3" cstate="print"/>
+            <a:srcRect l="36443" t="12460" r="27782" b="69458"/>
+            <a:stretch>
+              <a:fillRect/>
+            </a:stretch>
+          </p:blipFill>
+          <p:spPr bwMode="auto">
+            <a:xfrm>
+              <a:off x="3200400" y="1371600"/>
+              <a:ext cx="2209800" cy="990600"/>
+            </a:xfrm>
+            <a:prstGeom prst="rect">
+              <a:avLst/>
+            </a:prstGeom>
+            <a:noFill/>
+            <a:ln w="9525">
+              <a:noFill/>
+              <a:miter lim="800000"/>
+              <a:headEnd/>
+              <a:tailEnd/>
+            </a:ln>
+            <a:effectLst/>
+          </p:spPr>
+        </p:pic>
+        <p:pic>
+          <p:nvPicPr>
+            <p:cNvPr id="1028" name="Picture 4"/>
+            <p:cNvPicPr>
+              <a:picLocks noChangeAspect="1" noChangeArrowheads="1"/>
+            </p:cNvPicPr>
+            <p:nvPr/>
+          </p:nvPicPr>
+          <p:blipFill>
+            <a:blip r:embed="rId4" cstate="print"/>
+            <a:srcRect l="22873" t="13851" r="68492" b="68067"/>
+            <a:stretch>
+              <a:fillRect/>
+            </a:stretch>
+          </p:blipFill>
+          <p:spPr bwMode="auto">
+            <a:xfrm>
+              <a:off x="2667000" y="1371600"/>
+              <a:ext cx="533400" cy="990600"/>
+            </a:xfrm>
+            <a:prstGeom prst="rect">
+              <a:avLst/>
+            </a:prstGeom>
+            <a:noFill/>
+            <a:ln w="9525">
+              <a:noFill/>
+              <a:miter lim="800000"/>
+              <a:headEnd/>
+              <a:tailEnd/>
+            </a:ln>
+            <a:effectLst/>
+          </p:spPr>
+        </p:pic>
+      </p:grpSp>
+      <p:sp>
+        <p:nvSpPr>
+          <p:cNvPr id="6" name="TextBox 5"/>
+          <p:cNvSpPr txBox="1"/>
+          <p:nvPr/>
+        </p:nvSpPr>
+        <p:spPr>
+          <a:xfrm>
+            <a:off x="1752600" y="152400"/>
+            <a:ext cx="6172200" cy="369332"/>
+          </a:xfrm>
+          <a:prstGeom prst="rect">
+            <a:avLst/>
+          </a:prstGeom>
+          <a:noFill/>
+        </p:spPr>
+        <p:txBody>
+          <a:bodyPr wrap="square" rtlCol="0">
+            <a:spAutoFit/>
+          </a:bodyPr>
+          <a:lstStyle/>
+          <a:p>
+            <a:r>
+              <a:rPr lang="en-US" altLang="ko-KR" dirty="0" smtClean="0"/>
+              <a:t>t5</a:t>
+            </a:r>
+            <a:endParaRPr lang="ko-KR" altLang="en-US" dirty="0"/>
+          </a:p>
+        </p:txBody>
+      </p:sp>
     </p:spTree>
   </p:cSld>
   <p:clrMapOvr>
@@ -23217,6 +23892,351 @@
           </a:p>
         </p:txBody>
       </p:sp>
+    </p:spTree>
+  </p:cSld>
+  <p:clrMapOvr>
+    <a:masterClrMapping/>
+  </p:clrMapOvr>
+</p:sld>
+</file>
+
+<file path=ppt/slides/slide20.xml><?xml version="1.0" encoding="utf-8"?>
+<p:sld xmlns:a="http://schemas.openxmlformats.org/drawingml/2006/main" xmlns:r="http://schemas.openxmlformats.org/officeDocument/2006/relationships" xmlns:p="http://schemas.openxmlformats.org/presentationml/2006/main">
+  <p:cSld>
+    <p:spTree>
+      <p:nvGrpSpPr>
+        <p:cNvPr id="1" name=""/>
+        <p:cNvGrpSpPr/>
+        <p:nvPr/>
+      </p:nvGrpSpPr>
+      <p:grpSpPr>
+        <a:xfrm>
+          <a:off x="0" y="0"/>
+          <a:ext cx="0" cy="0"/>
+          <a:chOff x="0" y="0"/>
+          <a:chExt cx="0" cy="0"/>
+        </a:xfrm>
+      </p:grpSpPr>
+      <p:pic>
+        <p:nvPicPr>
+          <p:cNvPr id="5122" name="Picture 2"/>
+          <p:cNvPicPr>
+            <a:picLocks noChangeAspect="1" noChangeArrowheads="1"/>
+          </p:cNvPicPr>
+          <p:nvPr/>
+        </p:nvPicPr>
+        <p:blipFill>
+          <a:blip r:embed="rId2" cstate="print"/>
+          <a:srcRect/>
+          <a:stretch>
+            <a:fillRect/>
+          </a:stretch>
+        </p:blipFill>
+        <p:spPr bwMode="auto">
+          <a:xfrm>
+            <a:off x="1482725" y="688975"/>
+            <a:ext cx="6176963" cy="5478463"/>
+          </a:xfrm>
+          <a:prstGeom prst="rect">
+            <a:avLst/>
+          </a:prstGeom>
+          <a:noFill/>
+          <a:ln w="9525">
+            <a:noFill/>
+            <a:miter lim="800000"/>
+            <a:headEnd/>
+            <a:tailEnd/>
+          </a:ln>
+          <a:effectLst/>
+        </p:spPr>
+      </p:pic>
+      <p:grpSp>
+        <p:nvGrpSpPr>
+          <p:cNvPr id="2" name="그룹 4"/>
+          <p:cNvGrpSpPr/>
+          <p:nvPr/>
+        </p:nvGrpSpPr>
+        <p:grpSpPr>
+          <a:xfrm>
+            <a:off x="2667000" y="1371600"/>
+            <a:ext cx="2743200" cy="990600"/>
+            <a:chOff x="2667000" y="1371600"/>
+            <a:chExt cx="2743200" cy="990600"/>
+          </a:xfrm>
+        </p:grpSpPr>
+        <p:pic>
+          <p:nvPicPr>
+            <p:cNvPr id="1027" name="Picture 3"/>
+            <p:cNvPicPr>
+              <a:picLocks noChangeAspect="1" noChangeArrowheads="1"/>
+            </p:cNvPicPr>
+            <p:nvPr/>
+          </p:nvPicPr>
+          <p:blipFill>
+            <a:blip r:embed="rId3" cstate="print"/>
+            <a:srcRect l="36443" t="12460" r="27782" b="69458"/>
+            <a:stretch>
+              <a:fillRect/>
+            </a:stretch>
+          </p:blipFill>
+          <p:spPr bwMode="auto">
+            <a:xfrm>
+              <a:off x="3200400" y="1371600"/>
+              <a:ext cx="2209800" cy="990600"/>
+            </a:xfrm>
+            <a:prstGeom prst="rect">
+              <a:avLst/>
+            </a:prstGeom>
+            <a:noFill/>
+            <a:ln w="9525">
+              <a:noFill/>
+              <a:miter lim="800000"/>
+              <a:headEnd/>
+              <a:tailEnd/>
+            </a:ln>
+            <a:effectLst/>
+          </p:spPr>
+        </p:pic>
+        <p:pic>
+          <p:nvPicPr>
+            <p:cNvPr id="1028" name="Picture 4"/>
+            <p:cNvPicPr>
+              <a:picLocks noChangeAspect="1" noChangeArrowheads="1"/>
+            </p:cNvPicPr>
+            <p:nvPr/>
+          </p:nvPicPr>
+          <p:blipFill>
+            <a:blip r:embed="rId4" cstate="print"/>
+            <a:srcRect l="22873" t="13851" r="68492" b="68067"/>
+            <a:stretch>
+              <a:fillRect/>
+            </a:stretch>
+          </p:blipFill>
+          <p:spPr bwMode="auto">
+            <a:xfrm>
+              <a:off x="2667000" y="1371600"/>
+              <a:ext cx="533400" cy="990600"/>
+            </a:xfrm>
+            <a:prstGeom prst="rect">
+              <a:avLst/>
+            </a:prstGeom>
+            <a:noFill/>
+            <a:ln w="9525">
+              <a:noFill/>
+              <a:miter lim="800000"/>
+              <a:headEnd/>
+              <a:tailEnd/>
+            </a:ln>
+            <a:effectLst/>
+          </p:spPr>
+        </p:pic>
+      </p:grpSp>
+      <p:sp>
+        <p:nvSpPr>
+          <p:cNvPr id="6" name="TextBox 5"/>
+          <p:cNvSpPr txBox="1"/>
+          <p:nvPr/>
+        </p:nvSpPr>
+        <p:spPr>
+          <a:xfrm>
+            <a:off x="1752600" y="152400"/>
+            <a:ext cx="6172200" cy="369332"/>
+          </a:xfrm>
+          <a:prstGeom prst="rect">
+            <a:avLst/>
+          </a:prstGeom>
+          <a:noFill/>
+        </p:spPr>
+        <p:txBody>
+          <a:bodyPr wrap="square" rtlCol="0">
+            <a:spAutoFit/>
+          </a:bodyPr>
+          <a:lstStyle/>
+          <a:p>
+            <a:r>
+              <a:rPr lang="en-US" altLang="ko-KR" dirty="0" smtClean="0"/>
+              <a:t>t9</a:t>
+            </a:r>
+            <a:endParaRPr lang="ko-KR" altLang="en-US" dirty="0"/>
+          </a:p>
+        </p:txBody>
+      </p:sp>
+    </p:spTree>
+  </p:cSld>
+  <p:clrMapOvr>
+    <a:masterClrMapping/>
+  </p:clrMapOvr>
+</p:sld>
+</file>
+
+<file path=ppt/slides/slide21.xml><?xml version="1.0" encoding="utf-8"?>
+<p:sld xmlns:a="http://schemas.openxmlformats.org/drawingml/2006/main" xmlns:r="http://schemas.openxmlformats.org/officeDocument/2006/relationships" xmlns:p="http://schemas.openxmlformats.org/presentationml/2006/main">
+  <p:cSld>
+    <p:spTree>
+      <p:nvGrpSpPr>
+        <p:cNvPr id="1" name=""/>
+        <p:cNvGrpSpPr/>
+        <p:nvPr/>
+      </p:nvGrpSpPr>
+      <p:grpSpPr>
+        <a:xfrm>
+          <a:off x="0" y="0"/>
+          <a:ext cx="0" cy="0"/>
+          <a:chOff x="0" y="0"/>
+          <a:chExt cx="0" cy="0"/>
+        </a:xfrm>
+      </p:grpSpPr>
+      <p:sp>
+        <p:nvSpPr>
+          <p:cNvPr id="2" name="TextBox 1"/>
+          <p:cNvSpPr txBox="1"/>
+          <p:nvPr/>
+        </p:nvSpPr>
+        <p:spPr>
+          <a:xfrm>
+            <a:off x="1752600" y="152400"/>
+            <a:ext cx="6172200" cy="369332"/>
+          </a:xfrm>
+          <a:prstGeom prst="rect">
+            <a:avLst/>
+          </a:prstGeom>
+          <a:noFill/>
+        </p:spPr>
+        <p:txBody>
+          <a:bodyPr wrap="square" rtlCol="0">
+            <a:spAutoFit/>
+          </a:bodyPr>
+          <a:lstStyle/>
+          <a:p>
+            <a:r>
+              <a:rPr lang="en-US" altLang="ko-KR" dirty="0" smtClean="0"/>
+              <a:t>s</a:t>
+            </a:r>
+            <a:endParaRPr lang="ko-KR" altLang="en-US" dirty="0"/>
+          </a:p>
+        </p:txBody>
+      </p:sp>
+      <p:pic>
+        <p:nvPicPr>
+          <p:cNvPr id="6146" name="Picture 2"/>
+          <p:cNvPicPr>
+            <a:picLocks noChangeAspect="1" noChangeArrowheads="1"/>
+          </p:cNvPicPr>
+          <p:nvPr/>
+        </p:nvPicPr>
+        <p:blipFill>
+          <a:blip r:embed="rId2" cstate="print"/>
+          <a:srcRect/>
+          <a:stretch>
+            <a:fillRect/>
+          </a:stretch>
+        </p:blipFill>
+        <p:spPr bwMode="auto">
+          <a:xfrm>
+            <a:off x="1482725" y="688975"/>
+            <a:ext cx="6176963" cy="5478463"/>
+          </a:xfrm>
+          <a:prstGeom prst="rect">
+            <a:avLst/>
+          </a:prstGeom>
+          <a:noFill/>
+          <a:ln w="9525">
+            <a:noFill/>
+            <a:miter lim="800000"/>
+            <a:headEnd/>
+            <a:tailEnd/>
+          </a:ln>
+          <a:effectLst/>
+        </p:spPr>
+      </p:pic>
+    </p:spTree>
+  </p:cSld>
+  <p:clrMapOvr>
+    <a:masterClrMapping/>
+  </p:clrMapOvr>
+</p:sld>
+</file>
+
+<file path=ppt/slides/slide22.xml><?xml version="1.0" encoding="utf-8"?>
+<p:sld xmlns:a="http://schemas.openxmlformats.org/drawingml/2006/main" xmlns:r="http://schemas.openxmlformats.org/officeDocument/2006/relationships" xmlns:p="http://schemas.openxmlformats.org/presentationml/2006/main">
+  <p:cSld>
+    <p:spTree>
+      <p:nvGrpSpPr>
+        <p:cNvPr id="1" name=""/>
+        <p:cNvGrpSpPr/>
+        <p:nvPr/>
+      </p:nvGrpSpPr>
+      <p:grpSpPr>
+        <a:xfrm>
+          <a:off x="0" y="0"/>
+          <a:ext cx="0" cy="0"/>
+          <a:chOff x="0" y="0"/>
+          <a:chExt cx="0" cy="0"/>
+        </a:xfrm>
+      </p:grpSpPr>
+      <p:sp>
+        <p:nvSpPr>
+          <p:cNvPr id="2" name="TextBox 1"/>
+          <p:cNvSpPr txBox="1"/>
+          <p:nvPr/>
+        </p:nvSpPr>
+        <p:spPr>
+          <a:xfrm>
+            <a:off x="1752600" y="152400"/>
+            <a:ext cx="6172200" cy="369332"/>
+          </a:xfrm>
+          <a:prstGeom prst="rect">
+            <a:avLst/>
+          </a:prstGeom>
+          <a:noFill/>
+        </p:spPr>
+        <p:txBody>
+          <a:bodyPr wrap="square" rtlCol="0">
+            <a:spAutoFit/>
+          </a:bodyPr>
+          <a:lstStyle/>
+          <a:p>
+            <a:r>
+              <a:rPr lang="en-US" altLang="ko-KR" dirty="0" smtClean="0"/>
+              <a:t>t</a:t>
+            </a:r>
+            <a:endParaRPr lang="ko-KR" altLang="en-US" dirty="0"/>
+          </a:p>
+        </p:txBody>
+      </p:sp>
+      <p:pic>
+        <p:nvPicPr>
+          <p:cNvPr id="7170" name="Picture 2"/>
+          <p:cNvPicPr>
+            <a:picLocks noChangeAspect="1" noChangeArrowheads="1"/>
+          </p:cNvPicPr>
+          <p:nvPr/>
+        </p:nvPicPr>
+        <p:blipFill>
+          <a:blip r:embed="rId2" cstate="print"/>
+          <a:srcRect/>
+          <a:stretch>
+            <a:fillRect/>
+          </a:stretch>
+        </p:blipFill>
+        <p:spPr bwMode="auto">
+          <a:xfrm>
+            <a:off x="1482725" y="688975"/>
+            <a:ext cx="6176963" cy="5478463"/>
+          </a:xfrm>
+          <a:prstGeom prst="rect">
+            <a:avLst/>
+          </a:prstGeom>
+          <a:noFill/>
+          <a:ln w="9525">
+            <a:noFill/>
+            <a:miter lim="800000"/>
+            <a:headEnd/>
+            <a:tailEnd/>
+          </a:ln>
+          <a:effectLst/>
+        </p:spPr>
+      </p:pic>
     </p:spTree>
   </p:cSld>
   <p:clrMapOvr>

--- a/papers/coupled-simulations/AJK2011/AJK_Figure_Gen.pptx
+++ b/papers/coupled-simulations/AJK2011/AJK_Figure_Gen.pptx
@@ -23118,7 +23118,7 @@
       </p:grpSpPr>
       <p:pic>
         <p:nvPicPr>
-          <p:cNvPr id="1026" name="Picture 2"/>
+          <p:cNvPr id="4" name="Picture 4"/>
           <p:cNvPicPr>
             <a:picLocks noChangeAspect="1" noChangeArrowheads="1"/>
           </p:cNvPicPr>
@@ -23149,87 +23149,6 @@
           <a:effectLst/>
         </p:spPr>
       </p:pic>
-      <p:grpSp>
-        <p:nvGrpSpPr>
-          <p:cNvPr id="5" name="그룹 4"/>
-          <p:cNvGrpSpPr/>
-          <p:nvPr/>
-        </p:nvGrpSpPr>
-        <p:grpSpPr>
-          <a:xfrm>
-            <a:off x="2667000" y="1371600"/>
-            <a:ext cx="2743200" cy="990600"/>
-            <a:chOff x="2667000" y="1371600"/>
-            <a:chExt cx="2743200" cy="990600"/>
-          </a:xfrm>
-        </p:grpSpPr>
-        <p:pic>
-          <p:nvPicPr>
-            <p:cNvPr id="1027" name="Picture 3"/>
-            <p:cNvPicPr>
-              <a:picLocks noChangeAspect="1" noChangeArrowheads="1"/>
-            </p:cNvPicPr>
-            <p:nvPr/>
-          </p:nvPicPr>
-          <p:blipFill>
-            <a:blip r:embed="rId3" cstate="print"/>
-            <a:srcRect l="36443" t="12460" r="27782" b="69458"/>
-            <a:stretch>
-              <a:fillRect/>
-            </a:stretch>
-          </p:blipFill>
-          <p:spPr bwMode="auto">
-            <a:xfrm>
-              <a:off x="3200400" y="1371600"/>
-              <a:ext cx="2209800" cy="990600"/>
-            </a:xfrm>
-            <a:prstGeom prst="rect">
-              <a:avLst/>
-            </a:prstGeom>
-            <a:noFill/>
-            <a:ln w="9525">
-              <a:noFill/>
-              <a:miter lim="800000"/>
-              <a:headEnd/>
-              <a:tailEnd/>
-            </a:ln>
-            <a:effectLst/>
-          </p:spPr>
-        </p:pic>
-        <p:pic>
-          <p:nvPicPr>
-            <p:cNvPr id="1028" name="Picture 4"/>
-            <p:cNvPicPr>
-              <a:picLocks noChangeAspect="1" noChangeArrowheads="1"/>
-            </p:cNvPicPr>
-            <p:nvPr/>
-          </p:nvPicPr>
-          <p:blipFill>
-            <a:blip r:embed="rId4" cstate="print"/>
-            <a:srcRect l="22873" t="13851" r="68492" b="68067"/>
-            <a:stretch>
-              <a:fillRect/>
-            </a:stretch>
-          </p:blipFill>
-          <p:spPr bwMode="auto">
-            <a:xfrm>
-              <a:off x="2667000" y="1371600"/>
-              <a:ext cx="533400" cy="990600"/>
-            </a:xfrm>
-            <a:prstGeom prst="rect">
-              <a:avLst/>
-            </a:prstGeom>
-            <a:noFill/>
-            <a:ln w="9525">
-              <a:noFill/>
-              <a:miter lim="800000"/>
-              <a:headEnd/>
-              <a:tailEnd/>
-            </a:ln>
-            <a:effectLst/>
-          </p:spPr>
-        </p:pic>
-      </p:grpSp>
       <p:sp>
         <p:nvSpPr>
           <p:cNvPr id="6" name="TextBox 5"/>
@@ -23260,6 +23179,87 @@
           </a:p>
         </p:txBody>
       </p:sp>
+      <p:grpSp>
+        <p:nvGrpSpPr>
+          <p:cNvPr id="9" name="그룹 4"/>
+          <p:cNvGrpSpPr/>
+          <p:nvPr/>
+        </p:nvGrpSpPr>
+        <p:grpSpPr>
+          <a:xfrm>
+            <a:off x="2667000" y="1371600"/>
+            <a:ext cx="2743200" cy="990600"/>
+            <a:chOff x="2667000" y="1371600"/>
+            <a:chExt cx="2743200" cy="990600"/>
+          </a:xfrm>
+        </p:grpSpPr>
+        <p:pic>
+          <p:nvPicPr>
+            <p:cNvPr id="10" name="Picture 3"/>
+            <p:cNvPicPr>
+              <a:picLocks noChangeAspect="1" noChangeArrowheads="1"/>
+            </p:cNvPicPr>
+            <p:nvPr/>
+          </p:nvPicPr>
+          <p:blipFill>
+            <a:blip r:embed="rId3" cstate="print"/>
+            <a:srcRect l="36443" t="12460" r="27782" b="69458"/>
+            <a:stretch>
+              <a:fillRect/>
+            </a:stretch>
+          </p:blipFill>
+          <p:spPr bwMode="auto">
+            <a:xfrm>
+              <a:off x="3200400" y="1371600"/>
+              <a:ext cx="2209800" cy="990600"/>
+            </a:xfrm>
+            <a:prstGeom prst="rect">
+              <a:avLst/>
+            </a:prstGeom>
+            <a:noFill/>
+            <a:ln w="9525">
+              <a:noFill/>
+              <a:miter lim="800000"/>
+              <a:headEnd/>
+              <a:tailEnd/>
+            </a:ln>
+            <a:effectLst/>
+          </p:spPr>
+        </p:pic>
+        <p:pic>
+          <p:nvPicPr>
+            <p:cNvPr id="11" name="Picture 4"/>
+            <p:cNvPicPr>
+              <a:picLocks noChangeAspect="1" noChangeArrowheads="1"/>
+            </p:cNvPicPr>
+            <p:nvPr/>
+          </p:nvPicPr>
+          <p:blipFill>
+            <a:blip r:embed="rId4" cstate="print"/>
+            <a:srcRect l="22873" t="13851" r="68492" b="68067"/>
+            <a:stretch>
+              <a:fillRect/>
+            </a:stretch>
+          </p:blipFill>
+          <p:spPr bwMode="auto">
+            <a:xfrm>
+              <a:off x="2667000" y="1371600"/>
+              <a:ext cx="533400" cy="990600"/>
+            </a:xfrm>
+            <a:prstGeom prst="rect">
+              <a:avLst/>
+            </a:prstGeom>
+            <a:noFill/>
+            <a:ln w="9525">
+              <a:noFill/>
+              <a:miter lim="800000"/>
+              <a:headEnd/>
+              <a:tailEnd/>
+            </a:ln>
+            <a:effectLst/>
+          </p:spPr>
+        </p:pic>
+      </p:grpSp>
     </p:spTree>
   </p:cSld>
   <p:clrMapOvr>
@@ -23287,7 +23287,7 @@
       </p:grpSpPr>
       <p:pic>
         <p:nvPicPr>
-          <p:cNvPr id="2050" name="Picture 2"/>
+          <p:cNvPr id="3" name="Picture 2"/>
           <p:cNvPicPr>
             <a:picLocks noChangeAspect="1" noChangeArrowheads="1"/>
           </p:cNvPicPr>
@@ -23456,7 +23456,7 @@
       </p:grpSpPr>
       <p:pic>
         <p:nvPicPr>
-          <p:cNvPr id="3074" name="Picture 2"/>
+          <p:cNvPr id="3" name="Picture 2"/>
           <p:cNvPicPr>
             <a:picLocks noChangeAspect="1" noChangeArrowheads="1"/>
           </p:cNvPicPr>
@@ -23625,7 +23625,7 @@
       </p:grpSpPr>
       <p:pic>
         <p:nvPicPr>
-          <p:cNvPr id="4098" name="Picture 2"/>
+          <p:cNvPr id="3" name="Picture 2"/>
           <p:cNvPicPr>
             <a:picLocks noChangeAspect="1" noChangeArrowheads="1"/>
           </p:cNvPicPr>
@@ -23919,7 +23919,7 @@
       </p:grpSpPr>
       <p:pic>
         <p:nvPicPr>
-          <p:cNvPr id="5122" name="Picture 2"/>
+          <p:cNvPr id="3" name="Picture 2"/>
           <p:cNvPicPr>
             <a:picLocks noChangeAspect="1" noChangeArrowheads="1"/>
           </p:cNvPicPr>
@@ -24118,7 +24118,7 @@
       </p:sp>
       <p:pic>
         <p:nvPicPr>
-          <p:cNvPr id="6146" name="Picture 2"/>
+          <p:cNvPr id="7170" name="Picture 2"/>
           <p:cNvPicPr>
             <a:picLocks noChangeAspect="1" noChangeArrowheads="1"/>
           </p:cNvPicPr>
@@ -24206,7 +24206,7 @@
       </p:sp>
       <p:pic>
         <p:nvPicPr>
-          <p:cNvPr id="7170" name="Picture 2"/>
+          <p:cNvPr id="6146" name="Picture 2"/>
           <p:cNvPicPr>
             <a:picLocks noChangeAspect="1" noChangeArrowheads="1"/>
           </p:cNvPicPr>

--- a/papers/coupled-simulations/AJK2011/AJK_Figure_Gen.pptx
+++ b/papers/coupled-simulations/AJK2011/AJK_Figure_Gen.pptx
@@ -23456,7 +23456,7 @@
       </p:grpSpPr>
       <p:pic>
         <p:nvPicPr>
-          <p:cNvPr id="3" name="Picture 2"/>
+          <p:cNvPr id="1026" name="Picture 2"/>
           <p:cNvPicPr>
             <a:picLocks noChangeAspect="1" noChangeArrowheads="1"/>
           </p:cNvPicPr>

--- a/papers/coupled-simulations/AJK2011/AJK_Figure_Gen.pptx
+++ b/papers/coupled-simulations/AJK2011/AJK_Figure_Gen.pptx
@@ -23116,39 +23116,6 @@
           <a:chExt cx="0" cy="0"/>
         </a:xfrm>
       </p:grpSpPr>
-      <p:pic>
-        <p:nvPicPr>
-          <p:cNvPr id="4" name="Picture 4"/>
-          <p:cNvPicPr>
-            <a:picLocks noChangeAspect="1" noChangeArrowheads="1"/>
-          </p:cNvPicPr>
-          <p:nvPr/>
-        </p:nvPicPr>
-        <p:blipFill>
-          <a:blip r:embed="rId2" cstate="print"/>
-          <a:srcRect/>
-          <a:stretch>
-            <a:fillRect/>
-          </a:stretch>
-        </p:blipFill>
-        <p:spPr bwMode="auto">
-          <a:xfrm>
-            <a:off x="1482725" y="688975"/>
-            <a:ext cx="6176963" cy="5478463"/>
-          </a:xfrm>
-          <a:prstGeom prst="rect">
-            <a:avLst/>
-          </a:prstGeom>
-          <a:noFill/>
-          <a:ln w="9525">
-            <a:noFill/>
-            <a:miter lim="800000"/>
-            <a:headEnd/>
-            <a:tailEnd/>
-          </a:ln>
-          <a:effectLst/>
-        </p:spPr>
-      </p:pic>
       <p:sp>
         <p:nvSpPr>
           <p:cNvPr id="6" name="TextBox 5"/>
@@ -23181,84 +23148,302 @@
       </p:sp>
       <p:grpSp>
         <p:nvGrpSpPr>
-          <p:cNvPr id="9" name="그룹 4"/>
+          <p:cNvPr id="16" name="Group 15"/>
           <p:cNvGrpSpPr/>
           <p:nvPr/>
         </p:nvGrpSpPr>
         <p:grpSpPr>
           <a:xfrm>
-            <a:off x="2667000" y="1371600"/>
-            <a:ext cx="2743200" cy="990600"/>
-            <a:chOff x="2667000" y="1371600"/>
-            <a:chExt cx="2743200" cy="990600"/>
+            <a:off x="1600200" y="1066800"/>
+            <a:ext cx="5486400" cy="5029200"/>
+            <a:chOff x="1600200" y="1066800"/>
+            <a:chExt cx="5486400" cy="5029200"/>
           </a:xfrm>
         </p:grpSpPr>
-        <p:pic>
-          <p:nvPicPr>
-            <p:cNvPr id="10" name="Picture 3"/>
-            <p:cNvPicPr>
-              <a:picLocks noChangeAspect="1" noChangeArrowheads="1"/>
-            </p:cNvPicPr>
-            <p:nvPr/>
-          </p:nvPicPr>
-          <p:blipFill>
-            <a:blip r:embed="rId3" cstate="print"/>
-            <a:srcRect l="36443" t="12460" r="27782" b="69458"/>
-            <a:stretch>
-              <a:fillRect/>
-            </a:stretch>
-          </p:blipFill>
-          <p:spPr bwMode="auto">
-            <a:xfrm>
-              <a:off x="3200400" y="1371600"/>
-              <a:ext cx="2209800" cy="990600"/>
-            </a:xfrm>
-            <a:prstGeom prst="rect">
-              <a:avLst/>
-            </a:prstGeom>
-            <a:noFill/>
-            <a:ln w="9525">
+        <p:grpSp>
+          <p:nvGrpSpPr>
+            <p:cNvPr id="7" name="Group 6"/>
+            <p:cNvGrpSpPr/>
+            <p:nvPr/>
+          </p:nvGrpSpPr>
+          <p:grpSpPr>
+            <a:xfrm>
+              <a:off x="1600200" y="1066800"/>
+              <a:ext cx="5486400" cy="5029200"/>
+              <a:chOff x="1600200" y="1066800"/>
+              <a:chExt cx="5486400" cy="5029200"/>
+            </a:xfrm>
+          </p:grpSpPr>
+          <p:pic>
+            <p:nvPicPr>
+              <p:cNvPr id="4" name="Picture 4"/>
+              <p:cNvPicPr>
+                <a:picLocks noChangeAspect="1" noChangeArrowheads="1"/>
+              </p:cNvPicPr>
+              <p:nvPr/>
+            </p:nvPicPr>
+            <p:blipFill>
+              <a:blip r:embed="rId2" cstate="print"/>
+              <a:srcRect l="1902" t="6897" r="9278" b="1304"/>
+              <a:stretch>
+                <a:fillRect/>
+              </a:stretch>
+            </p:blipFill>
+            <p:spPr bwMode="auto">
+              <a:xfrm>
+                <a:off x="1600200" y="1066800"/>
+                <a:ext cx="5486400" cy="5029200"/>
+              </a:xfrm>
+              <a:prstGeom prst="rect">
+                <a:avLst/>
+              </a:prstGeom>
               <a:noFill/>
-              <a:miter lim="800000"/>
-              <a:headEnd/>
-              <a:tailEnd/>
-            </a:ln>
-            <a:effectLst/>
-          </p:spPr>
-        </p:pic>
-        <p:pic>
-          <p:nvPicPr>
-            <p:cNvPr id="11" name="Picture 4"/>
-            <p:cNvPicPr>
-              <a:picLocks noChangeAspect="1" noChangeArrowheads="1"/>
-            </p:cNvPicPr>
-            <p:nvPr/>
-          </p:nvPicPr>
-          <p:blipFill>
-            <a:blip r:embed="rId4" cstate="print"/>
-            <a:srcRect l="22873" t="13851" r="68492" b="68067"/>
-            <a:stretch>
-              <a:fillRect/>
-            </a:stretch>
-          </p:blipFill>
-          <p:spPr bwMode="auto">
-            <a:xfrm>
-              <a:off x="2667000" y="1371600"/>
-              <a:ext cx="533400" cy="990600"/>
-            </a:xfrm>
-            <a:prstGeom prst="rect">
-              <a:avLst/>
-            </a:prstGeom>
-            <a:noFill/>
-            <a:ln w="9525">
+              <a:ln w="9525">
+                <a:noFill/>
+                <a:miter lim="800000"/>
+                <a:headEnd/>
+                <a:tailEnd/>
+              </a:ln>
+              <a:effectLst/>
+            </p:spPr>
+          </p:pic>
+          <p:grpSp>
+            <p:nvGrpSpPr>
+              <p:cNvPr id="9" name="그룹 4"/>
+              <p:cNvGrpSpPr/>
+              <p:nvPr/>
+            </p:nvGrpSpPr>
+            <p:grpSpPr>
+              <a:xfrm>
+                <a:off x="2667000" y="1371600"/>
+                <a:ext cx="2743200" cy="990600"/>
+                <a:chOff x="2667000" y="1371600"/>
+                <a:chExt cx="2743200" cy="990600"/>
+              </a:xfrm>
+            </p:grpSpPr>
+            <p:pic>
+              <p:nvPicPr>
+                <p:cNvPr id="10" name="Picture 3"/>
+                <p:cNvPicPr>
+                  <a:picLocks noChangeAspect="1" noChangeArrowheads="1"/>
+                </p:cNvPicPr>
+                <p:nvPr/>
+              </p:nvPicPr>
+              <p:blipFill>
+                <a:blip r:embed="rId3" cstate="print"/>
+                <a:srcRect l="36443" t="12460" r="27782" b="69458"/>
+                <a:stretch>
+                  <a:fillRect/>
+                </a:stretch>
+              </p:blipFill>
+              <p:spPr bwMode="auto">
+                <a:xfrm>
+                  <a:off x="3200400" y="1371600"/>
+                  <a:ext cx="2209800" cy="990600"/>
+                </a:xfrm>
+                <a:prstGeom prst="rect">
+                  <a:avLst/>
+                </a:prstGeom>
+                <a:noFill/>
+                <a:ln w="9525">
+                  <a:noFill/>
+                  <a:miter lim="800000"/>
+                  <a:headEnd/>
+                  <a:tailEnd/>
+                </a:ln>
+                <a:effectLst/>
+              </p:spPr>
+            </p:pic>
+            <p:pic>
+              <p:nvPicPr>
+                <p:cNvPr id="11" name="Picture 4"/>
+                <p:cNvPicPr>
+                  <a:picLocks noChangeAspect="1" noChangeArrowheads="1"/>
+                </p:cNvPicPr>
+                <p:nvPr/>
+              </p:nvPicPr>
+              <p:blipFill>
+                <a:blip r:embed="rId4" cstate="print"/>
+                <a:srcRect l="22873" t="13851" r="68492" b="68067"/>
+                <a:stretch>
+                  <a:fillRect/>
+                </a:stretch>
+              </p:blipFill>
+              <p:spPr bwMode="auto">
+                <a:xfrm>
+                  <a:off x="2667000" y="1371600"/>
+                  <a:ext cx="533400" cy="990600"/>
+                </a:xfrm>
+                <a:prstGeom prst="rect">
+                  <a:avLst/>
+                </a:prstGeom>
+                <a:noFill/>
+                <a:ln w="9525">
+                  <a:noFill/>
+                  <a:miter lim="800000"/>
+                  <a:headEnd/>
+                  <a:tailEnd/>
+                </a:ln>
+                <a:effectLst/>
+              </p:spPr>
+            </p:pic>
+          </p:grpSp>
+        </p:grpSp>
+        <p:grpSp>
+          <p:nvGrpSpPr>
+            <p:cNvPr id="15" name="Group 14"/>
+            <p:cNvGrpSpPr/>
+            <p:nvPr/>
+          </p:nvGrpSpPr>
+          <p:grpSpPr>
+            <a:xfrm>
+              <a:off x="3962400" y="2895600"/>
+              <a:ext cx="2743200" cy="2045732"/>
+              <a:chOff x="3962400" y="2895600"/>
+              <a:chExt cx="2743200" cy="2045732"/>
+            </a:xfrm>
+          </p:grpSpPr>
+          <p:sp>
+            <p:nvSpPr>
+              <p:cNvPr id="8" name="TextBox 7"/>
+              <p:cNvSpPr txBox="1"/>
+              <p:nvPr/>
+            </p:nvSpPr>
+            <p:spPr>
+              <a:xfrm>
+                <a:off x="5638800" y="4572000"/>
+                <a:ext cx="1066800" cy="369332"/>
+              </a:xfrm>
+              <a:prstGeom prst="rect">
+                <a:avLst/>
+              </a:prstGeom>
               <a:noFill/>
-              <a:miter lim="800000"/>
-              <a:headEnd/>
-              <a:tailEnd/>
-            </a:ln>
-            <a:effectLst/>
-          </p:spPr>
-        </p:pic>
+            </p:spPr>
+            <p:txBody>
+              <a:bodyPr wrap="square" rtlCol="0">
+                <a:spAutoFit/>
+              </a:bodyPr>
+              <a:lstStyle/>
+              <a:p>
+                <a:r>
+                  <a:rPr lang="sv-SE" b="1" dirty="0" smtClean="0"/>
+                  <a:t>20</a:t>
+                </a:r>
+                <a:r>
+                  <a:rPr lang="el-GR" b="1" dirty="0" smtClean="0"/>
+                  <a:t>τ</a:t>
+                </a:r>
+                <a:endParaRPr lang="sv-SE" b="1" dirty="0"/>
+              </a:p>
+            </p:txBody>
+          </p:sp>
+          <p:sp>
+            <p:nvSpPr>
+              <p:cNvPr id="12" name="TextBox 11"/>
+              <p:cNvSpPr txBox="1"/>
+              <p:nvPr/>
+            </p:nvSpPr>
+            <p:spPr>
+              <a:xfrm>
+                <a:off x="4953000" y="3897868"/>
+                <a:ext cx="1066800" cy="369332"/>
+              </a:xfrm>
+              <a:prstGeom prst="rect">
+                <a:avLst/>
+              </a:prstGeom>
+              <a:noFill/>
+            </p:spPr>
+            <p:txBody>
+              <a:bodyPr wrap="square" rtlCol="0">
+                <a:spAutoFit/>
+              </a:bodyPr>
+              <a:lstStyle/>
+              <a:p>
+                <a:r>
+                  <a:rPr lang="sv-SE" b="1" dirty="0" smtClean="0"/>
+                  <a:t>100</a:t>
+                </a:r>
+                <a:r>
+                  <a:rPr lang="el-GR" b="1" dirty="0" smtClean="0"/>
+                  <a:t>τ</a:t>
+                </a:r>
+                <a:endParaRPr lang="sv-SE" b="1" dirty="0"/>
+              </a:p>
+            </p:txBody>
+          </p:sp>
+          <p:sp>
+            <p:nvSpPr>
+              <p:cNvPr id="13" name="TextBox 12"/>
+              <p:cNvSpPr txBox="1"/>
+              <p:nvPr/>
+            </p:nvSpPr>
+            <p:spPr>
+              <a:xfrm>
+                <a:off x="4572000" y="3440668"/>
+                <a:ext cx="1066800" cy="369332"/>
+              </a:xfrm>
+              <a:prstGeom prst="rect">
+                <a:avLst/>
+              </a:prstGeom>
+              <a:noFill/>
+            </p:spPr>
+            <p:txBody>
+              <a:bodyPr wrap="square" rtlCol="0">
+                <a:spAutoFit/>
+              </a:bodyPr>
+              <a:lstStyle/>
+              <a:p>
+                <a:r>
+                  <a:rPr lang="sv-SE" b="1" dirty="0" smtClean="0"/>
+                  <a:t>2</a:t>
+                </a:r>
+                <a:r>
+                  <a:rPr lang="sv-SE" b="1" dirty="0" smtClean="0"/>
+                  <a:t>00</a:t>
+                </a:r>
+                <a:r>
+                  <a:rPr lang="el-GR" b="1" dirty="0" smtClean="0"/>
+                  <a:t>τ</a:t>
+                </a:r>
+                <a:endParaRPr lang="sv-SE" b="1" dirty="0"/>
+              </a:p>
+            </p:txBody>
+          </p:sp>
+          <p:sp>
+            <p:nvSpPr>
+              <p:cNvPr id="14" name="TextBox 13"/>
+              <p:cNvSpPr txBox="1"/>
+              <p:nvPr/>
+            </p:nvSpPr>
+            <p:spPr>
+              <a:xfrm>
+                <a:off x="3962400" y="2895600"/>
+                <a:ext cx="1066800" cy="369332"/>
+              </a:xfrm>
+              <a:prstGeom prst="rect">
+                <a:avLst/>
+              </a:prstGeom>
+              <a:noFill/>
+            </p:spPr>
+            <p:txBody>
+              <a:bodyPr wrap="square" rtlCol="0">
+                <a:spAutoFit/>
+              </a:bodyPr>
+              <a:lstStyle/>
+              <a:p>
+                <a:r>
+                  <a:rPr lang="sv-SE" b="1" dirty="0" smtClean="0"/>
+                  <a:t>1500</a:t>
+                </a:r>
+                <a:r>
+                  <a:rPr lang="el-GR" b="1" dirty="0" smtClean="0"/>
+                  <a:t>τ</a:t>
+                </a:r>
+                <a:endParaRPr lang="sv-SE" b="1" dirty="0"/>
+              </a:p>
+            </p:txBody>
+          </p:sp>
+        </p:grpSp>
       </p:grpSp>
     </p:spTree>
   </p:cSld>
@@ -23295,15 +23480,15 @@
         </p:nvPicPr>
         <p:blipFill>
           <a:blip r:embed="rId2" cstate="print"/>
-          <a:srcRect/>
+          <a:srcRect l="1902" t="6897" r="8044" b="1304"/>
           <a:stretch>
             <a:fillRect/>
           </a:stretch>
         </p:blipFill>
         <p:spPr bwMode="auto">
           <a:xfrm>
-            <a:off x="1482725" y="688975"/>
-            <a:ext cx="6176963" cy="5478463"/>
+            <a:off x="1600200" y="1066800"/>
+            <a:ext cx="5562600" cy="5029200"/>
           </a:xfrm>
           <a:prstGeom prst="rect">
             <a:avLst/>
@@ -23429,6 +23614,161 @@
           </a:p>
         </p:txBody>
       </p:sp>
+      <p:grpSp>
+        <p:nvGrpSpPr>
+          <p:cNvPr id="7" name="Group 6"/>
+          <p:cNvGrpSpPr/>
+          <p:nvPr/>
+        </p:nvGrpSpPr>
+        <p:grpSpPr>
+          <a:xfrm>
+            <a:off x="3962400" y="2895600"/>
+            <a:ext cx="2743200" cy="2045732"/>
+            <a:chOff x="3962400" y="2895600"/>
+            <a:chExt cx="2743200" cy="2045732"/>
+          </a:xfrm>
+        </p:grpSpPr>
+        <p:sp>
+          <p:nvSpPr>
+            <p:cNvPr id="8" name="TextBox 7"/>
+            <p:cNvSpPr txBox="1"/>
+            <p:nvPr/>
+          </p:nvSpPr>
+          <p:spPr>
+            <a:xfrm>
+              <a:off x="5638800" y="4572000"/>
+              <a:ext cx="1066800" cy="369332"/>
+            </a:xfrm>
+            <a:prstGeom prst="rect">
+              <a:avLst/>
+            </a:prstGeom>
+            <a:noFill/>
+          </p:spPr>
+          <p:txBody>
+            <a:bodyPr wrap="square" rtlCol="0">
+              <a:spAutoFit/>
+            </a:bodyPr>
+            <a:lstStyle/>
+            <a:p>
+              <a:r>
+                <a:rPr lang="sv-SE" b="1" dirty="0" smtClean="0"/>
+                <a:t>20</a:t>
+              </a:r>
+              <a:r>
+                <a:rPr lang="el-GR" b="1" dirty="0" smtClean="0"/>
+                <a:t>τ</a:t>
+              </a:r>
+              <a:endParaRPr lang="sv-SE" b="1" dirty="0"/>
+            </a:p>
+          </p:txBody>
+        </p:sp>
+        <p:sp>
+          <p:nvSpPr>
+            <p:cNvPr id="9" name="TextBox 8"/>
+            <p:cNvSpPr txBox="1"/>
+            <p:nvPr/>
+          </p:nvSpPr>
+          <p:spPr>
+            <a:xfrm>
+              <a:off x="4953000" y="3897868"/>
+              <a:ext cx="1066800" cy="369332"/>
+            </a:xfrm>
+            <a:prstGeom prst="rect">
+              <a:avLst/>
+            </a:prstGeom>
+            <a:noFill/>
+          </p:spPr>
+          <p:txBody>
+            <a:bodyPr wrap="square" rtlCol="0">
+              <a:spAutoFit/>
+            </a:bodyPr>
+            <a:lstStyle/>
+            <a:p>
+              <a:r>
+                <a:rPr lang="sv-SE" b="1" dirty="0" smtClean="0"/>
+                <a:t>100</a:t>
+              </a:r>
+              <a:r>
+                <a:rPr lang="el-GR" b="1" dirty="0" smtClean="0"/>
+                <a:t>τ</a:t>
+              </a:r>
+              <a:endParaRPr lang="sv-SE" b="1" dirty="0"/>
+            </a:p>
+          </p:txBody>
+        </p:sp>
+        <p:sp>
+          <p:nvSpPr>
+            <p:cNvPr id="10" name="TextBox 9"/>
+            <p:cNvSpPr txBox="1"/>
+            <p:nvPr/>
+          </p:nvSpPr>
+          <p:spPr>
+            <a:xfrm>
+              <a:off x="4572000" y="3440668"/>
+              <a:ext cx="1066800" cy="369332"/>
+            </a:xfrm>
+            <a:prstGeom prst="rect">
+              <a:avLst/>
+            </a:prstGeom>
+            <a:noFill/>
+          </p:spPr>
+          <p:txBody>
+            <a:bodyPr wrap="square" rtlCol="0">
+              <a:spAutoFit/>
+            </a:bodyPr>
+            <a:lstStyle/>
+            <a:p>
+              <a:r>
+                <a:rPr lang="sv-SE" b="1" dirty="0" smtClean="0"/>
+                <a:t>2</a:t>
+              </a:r>
+              <a:r>
+                <a:rPr lang="sv-SE" b="1" dirty="0" smtClean="0"/>
+                <a:t>00</a:t>
+              </a:r>
+              <a:r>
+                <a:rPr lang="el-GR" b="1" dirty="0" smtClean="0"/>
+                <a:t>τ</a:t>
+              </a:r>
+              <a:endParaRPr lang="sv-SE" b="1" dirty="0"/>
+            </a:p>
+          </p:txBody>
+        </p:sp>
+        <p:sp>
+          <p:nvSpPr>
+            <p:cNvPr id="11" name="TextBox 10"/>
+            <p:cNvSpPr txBox="1"/>
+            <p:nvPr/>
+          </p:nvSpPr>
+          <p:spPr>
+            <a:xfrm>
+              <a:off x="3962400" y="2895600"/>
+              <a:ext cx="1066800" cy="369332"/>
+            </a:xfrm>
+            <a:prstGeom prst="rect">
+              <a:avLst/>
+            </a:prstGeom>
+            <a:noFill/>
+          </p:spPr>
+          <p:txBody>
+            <a:bodyPr wrap="square" rtlCol="0">
+              <a:spAutoFit/>
+            </a:bodyPr>
+            <a:lstStyle/>
+            <a:p>
+              <a:r>
+                <a:rPr lang="sv-SE" b="1" dirty="0" smtClean="0"/>
+                <a:t>1500</a:t>
+              </a:r>
+              <a:r>
+                <a:rPr lang="el-GR" b="1" dirty="0" smtClean="0"/>
+                <a:t>τ</a:t>
+              </a:r>
+              <a:endParaRPr lang="sv-SE" b="1" dirty="0"/>
+            </a:p>
+          </p:txBody>
+        </p:sp>
+      </p:grpSp>
     </p:spTree>
   </p:cSld>
   <p:clrMapOvr>
@@ -23454,120 +23794,6 @@
           <a:chExt cx="0" cy="0"/>
         </a:xfrm>
       </p:grpSpPr>
-      <p:pic>
-        <p:nvPicPr>
-          <p:cNvPr id="1026" name="Picture 2"/>
-          <p:cNvPicPr>
-            <a:picLocks noChangeAspect="1" noChangeArrowheads="1"/>
-          </p:cNvPicPr>
-          <p:nvPr/>
-        </p:nvPicPr>
-        <p:blipFill>
-          <a:blip r:embed="rId2" cstate="print"/>
-          <a:srcRect/>
-          <a:stretch>
-            <a:fillRect/>
-          </a:stretch>
-        </p:blipFill>
-        <p:spPr bwMode="auto">
-          <a:xfrm>
-            <a:off x="1482725" y="688975"/>
-            <a:ext cx="6176963" cy="5478463"/>
-          </a:xfrm>
-          <a:prstGeom prst="rect">
-            <a:avLst/>
-          </a:prstGeom>
-          <a:noFill/>
-          <a:ln w="9525">
-            <a:noFill/>
-            <a:miter lim="800000"/>
-            <a:headEnd/>
-            <a:tailEnd/>
-          </a:ln>
-          <a:effectLst/>
-        </p:spPr>
-      </p:pic>
-      <p:grpSp>
-        <p:nvGrpSpPr>
-          <p:cNvPr id="2" name="그룹 4"/>
-          <p:cNvGrpSpPr/>
-          <p:nvPr/>
-        </p:nvGrpSpPr>
-        <p:grpSpPr>
-          <a:xfrm>
-            <a:off x="2667000" y="1371600"/>
-            <a:ext cx="2743200" cy="990600"/>
-            <a:chOff x="2667000" y="1371600"/>
-            <a:chExt cx="2743200" cy="990600"/>
-          </a:xfrm>
-        </p:grpSpPr>
-        <p:pic>
-          <p:nvPicPr>
-            <p:cNvPr id="1027" name="Picture 3"/>
-            <p:cNvPicPr>
-              <a:picLocks noChangeAspect="1" noChangeArrowheads="1"/>
-            </p:cNvPicPr>
-            <p:nvPr/>
-          </p:nvPicPr>
-          <p:blipFill>
-            <a:blip r:embed="rId3" cstate="print"/>
-            <a:srcRect l="36443" t="12460" r="27782" b="69458"/>
-            <a:stretch>
-              <a:fillRect/>
-            </a:stretch>
-          </p:blipFill>
-          <p:spPr bwMode="auto">
-            <a:xfrm>
-              <a:off x="3200400" y="1371600"/>
-              <a:ext cx="2209800" cy="990600"/>
-            </a:xfrm>
-            <a:prstGeom prst="rect">
-              <a:avLst/>
-            </a:prstGeom>
-            <a:noFill/>
-            <a:ln w="9525">
-              <a:noFill/>
-              <a:miter lim="800000"/>
-              <a:headEnd/>
-              <a:tailEnd/>
-            </a:ln>
-            <a:effectLst/>
-          </p:spPr>
-        </p:pic>
-        <p:pic>
-          <p:nvPicPr>
-            <p:cNvPr id="1028" name="Picture 4"/>
-            <p:cNvPicPr>
-              <a:picLocks noChangeAspect="1" noChangeArrowheads="1"/>
-            </p:cNvPicPr>
-            <p:nvPr/>
-          </p:nvPicPr>
-          <p:blipFill>
-            <a:blip r:embed="rId4" cstate="print"/>
-            <a:srcRect l="22873" t="13851" r="68492" b="68067"/>
-            <a:stretch>
-              <a:fillRect/>
-            </a:stretch>
-          </p:blipFill>
-          <p:spPr bwMode="auto">
-            <a:xfrm>
-              <a:off x="2667000" y="1371600"/>
-              <a:ext cx="533400" cy="990600"/>
-            </a:xfrm>
-            <a:prstGeom prst="rect">
-              <a:avLst/>
-            </a:prstGeom>
-            <a:noFill/>
-            <a:ln w="9525">
-              <a:noFill/>
-              <a:miter lim="800000"/>
-              <a:headEnd/>
-              <a:tailEnd/>
-            </a:ln>
-            <a:effectLst/>
-          </p:spPr>
-        </p:pic>
-      </p:grpSp>
       <p:sp>
         <p:nvSpPr>
           <p:cNvPr id="6" name="TextBox 5"/>
@@ -23598,6 +23824,290 @@
           </a:p>
         </p:txBody>
       </p:sp>
+      <p:grpSp>
+        <p:nvGrpSpPr>
+          <p:cNvPr id="12" name="Group 11"/>
+          <p:cNvGrpSpPr/>
+          <p:nvPr/>
+        </p:nvGrpSpPr>
+        <p:grpSpPr>
+          <a:xfrm>
+            <a:off x="1600200" y="1066800"/>
+            <a:ext cx="5638800" cy="5029200"/>
+            <a:chOff x="1600200" y="1066800"/>
+            <a:chExt cx="5638800" cy="5029200"/>
+          </a:xfrm>
+        </p:grpSpPr>
+        <p:pic>
+          <p:nvPicPr>
+            <p:cNvPr id="1026" name="Picture 2"/>
+            <p:cNvPicPr>
+              <a:picLocks noChangeAspect="1" noChangeArrowheads="1"/>
+            </p:cNvPicPr>
+            <p:nvPr/>
+          </p:nvPicPr>
+          <p:blipFill>
+            <a:blip r:embed="rId2" cstate="print"/>
+            <a:srcRect l="1902" t="6897" r="6811" b="1304"/>
+            <a:stretch>
+              <a:fillRect/>
+            </a:stretch>
+          </p:blipFill>
+          <p:spPr bwMode="auto">
+            <a:xfrm>
+              <a:off x="1600200" y="1066800"/>
+              <a:ext cx="5638800" cy="5029200"/>
+            </a:xfrm>
+            <a:prstGeom prst="rect">
+              <a:avLst/>
+            </a:prstGeom>
+            <a:noFill/>
+            <a:ln w="9525">
+              <a:noFill/>
+              <a:miter lim="800000"/>
+              <a:headEnd/>
+              <a:tailEnd/>
+            </a:ln>
+            <a:effectLst/>
+          </p:spPr>
+        </p:pic>
+        <p:grpSp>
+          <p:nvGrpSpPr>
+            <p:cNvPr id="2" name="그룹 4"/>
+            <p:cNvGrpSpPr/>
+            <p:nvPr/>
+          </p:nvGrpSpPr>
+          <p:grpSpPr>
+            <a:xfrm>
+              <a:off x="2667000" y="1371600"/>
+              <a:ext cx="2743200" cy="990600"/>
+              <a:chOff x="2667000" y="1371600"/>
+              <a:chExt cx="2743200" cy="990600"/>
+            </a:xfrm>
+          </p:grpSpPr>
+          <p:pic>
+            <p:nvPicPr>
+              <p:cNvPr id="1027" name="Picture 3"/>
+              <p:cNvPicPr>
+                <a:picLocks noChangeAspect="1" noChangeArrowheads="1"/>
+              </p:cNvPicPr>
+              <p:nvPr/>
+            </p:nvPicPr>
+            <p:blipFill>
+              <a:blip r:embed="rId3" cstate="print"/>
+              <a:srcRect l="36443" t="12460" r="27782" b="69458"/>
+              <a:stretch>
+                <a:fillRect/>
+              </a:stretch>
+            </p:blipFill>
+            <p:spPr bwMode="auto">
+              <a:xfrm>
+                <a:off x="3200400" y="1371600"/>
+                <a:ext cx="2209800" cy="990600"/>
+              </a:xfrm>
+              <a:prstGeom prst="rect">
+                <a:avLst/>
+              </a:prstGeom>
+              <a:noFill/>
+              <a:ln w="9525">
+                <a:noFill/>
+                <a:miter lim="800000"/>
+                <a:headEnd/>
+                <a:tailEnd/>
+              </a:ln>
+              <a:effectLst/>
+            </p:spPr>
+          </p:pic>
+          <p:pic>
+            <p:nvPicPr>
+              <p:cNvPr id="1028" name="Picture 4"/>
+              <p:cNvPicPr>
+                <a:picLocks noChangeAspect="1" noChangeArrowheads="1"/>
+              </p:cNvPicPr>
+              <p:nvPr/>
+            </p:nvPicPr>
+            <p:blipFill>
+              <a:blip r:embed="rId4" cstate="print"/>
+              <a:srcRect l="22873" t="13851" r="68492" b="68067"/>
+              <a:stretch>
+                <a:fillRect/>
+              </a:stretch>
+            </p:blipFill>
+            <p:spPr bwMode="auto">
+              <a:xfrm>
+                <a:off x="2667000" y="1371600"/>
+                <a:ext cx="533400" cy="990600"/>
+              </a:xfrm>
+              <a:prstGeom prst="rect">
+                <a:avLst/>
+              </a:prstGeom>
+              <a:noFill/>
+              <a:ln w="9525">
+                <a:noFill/>
+                <a:miter lim="800000"/>
+                <a:headEnd/>
+                <a:tailEnd/>
+              </a:ln>
+              <a:effectLst/>
+            </p:spPr>
+          </p:pic>
+        </p:grpSp>
+        <p:grpSp>
+          <p:nvGrpSpPr>
+            <p:cNvPr id="7" name="Group 6"/>
+            <p:cNvGrpSpPr/>
+            <p:nvPr/>
+          </p:nvGrpSpPr>
+          <p:grpSpPr>
+            <a:xfrm>
+              <a:off x="3962400" y="2895600"/>
+              <a:ext cx="2743200" cy="2045732"/>
+              <a:chOff x="3962400" y="2895600"/>
+              <a:chExt cx="2743200" cy="2045732"/>
+            </a:xfrm>
+          </p:grpSpPr>
+          <p:sp>
+            <p:nvSpPr>
+              <p:cNvPr id="8" name="TextBox 7"/>
+              <p:cNvSpPr txBox="1"/>
+              <p:nvPr/>
+            </p:nvSpPr>
+            <p:spPr>
+              <a:xfrm>
+                <a:off x="5638800" y="4572000"/>
+                <a:ext cx="1066800" cy="369332"/>
+              </a:xfrm>
+              <a:prstGeom prst="rect">
+                <a:avLst/>
+              </a:prstGeom>
+              <a:noFill/>
+            </p:spPr>
+            <p:txBody>
+              <a:bodyPr wrap="square" rtlCol="0">
+                <a:spAutoFit/>
+              </a:bodyPr>
+              <a:lstStyle/>
+              <a:p>
+                <a:r>
+                  <a:rPr lang="sv-SE" b="1" dirty="0" smtClean="0"/>
+                  <a:t>20</a:t>
+                </a:r>
+                <a:r>
+                  <a:rPr lang="el-GR" b="1" dirty="0" smtClean="0"/>
+                  <a:t>τ</a:t>
+                </a:r>
+                <a:endParaRPr lang="sv-SE" b="1" dirty="0"/>
+              </a:p>
+            </p:txBody>
+          </p:sp>
+          <p:sp>
+            <p:nvSpPr>
+              <p:cNvPr id="9" name="TextBox 8"/>
+              <p:cNvSpPr txBox="1"/>
+              <p:nvPr/>
+            </p:nvSpPr>
+            <p:spPr>
+              <a:xfrm>
+                <a:off x="4953000" y="3897868"/>
+                <a:ext cx="1066800" cy="369332"/>
+              </a:xfrm>
+              <a:prstGeom prst="rect">
+                <a:avLst/>
+              </a:prstGeom>
+              <a:noFill/>
+            </p:spPr>
+            <p:txBody>
+              <a:bodyPr wrap="square" rtlCol="0">
+                <a:spAutoFit/>
+              </a:bodyPr>
+              <a:lstStyle/>
+              <a:p>
+                <a:r>
+                  <a:rPr lang="sv-SE" b="1" dirty="0" smtClean="0"/>
+                  <a:t>100</a:t>
+                </a:r>
+                <a:r>
+                  <a:rPr lang="el-GR" b="1" dirty="0" smtClean="0"/>
+                  <a:t>τ</a:t>
+                </a:r>
+                <a:endParaRPr lang="sv-SE" b="1" dirty="0"/>
+              </a:p>
+            </p:txBody>
+          </p:sp>
+          <p:sp>
+            <p:nvSpPr>
+              <p:cNvPr id="10" name="TextBox 9"/>
+              <p:cNvSpPr txBox="1"/>
+              <p:nvPr/>
+            </p:nvSpPr>
+            <p:spPr>
+              <a:xfrm>
+                <a:off x="4572000" y="3440668"/>
+                <a:ext cx="1066800" cy="369332"/>
+              </a:xfrm>
+              <a:prstGeom prst="rect">
+                <a:avLst/>
+              </a:prstGeom>
+              <a:noFill/>
+            </p:spPr>
+            <p:txBody>
+              <a:bodyPr wrap="square" rtlCol="0">
+                <a:spAutoFit/>
+              </a:bodyPr>
+              <a:lstStyle/>
+              <a:p>
+                <a:r>
+                  <a:rPr lang="sv-SE" b="1" dirty="0" smtClean="0"/>
+                  <a:t>2</a:t>
+                </a:r>
+                <a:r>
+                  <a:rPr lang="sv-SE" b="1" dirty="0" smtClean="0"/>
+                  <a:t>00</a:t>
+                </a:r>
+                <a:r>
+                  <a:rPr lang="el-GR" b="1" dirty="0" smtClean="0"/>
+                  <a:t>τ</a:t>
+                </a:r>
+                <a:endParaRPr lang="sv-SE" b="1" dirty="0"/>
+              </a:p>
+            </p:txBody>
+          </p:sp>
+          <p:sp>
+            <p:nvSpPr>
+              <p:cNvPr id="11" name="TextBox 10"/>
+              <p:cNvSpPr txBox="1"/>
+              <p:nvPr/>
+            </p:nvSpPr>
+            <p:spPr>
+              <a:xfrm>
+                <a:off x="3962400" y="2895600"/>
+                <a:ext cx="1066800" cy="369332"/>
+              </a:xfrm>
+              <a:prstGeom prst="rect">
+                <a:avLst/>
+              </a:prstGeom>
+              <a:noFill/>
+            </p:spPr>
+            <p:txBody>
+              <a:bodyPr wrap="square" rtlCol="0">
+                <a:spAutoFit/>
+              </a:bodyPr>
+              <a:lstStyle/>
+              <a:p>
+                <a:r>
+                  <a:rPr lang="sv-SE" b="1" dirty="0" smtClean="0"/>
+                  <a:t>1500</a:t>
+                </a:r>
+                <a:r>
+                  <a:rPr lang="el-GR" b="1" dirty="0" smtClean="0"/>
+                  <a:t>τ</a:t>
+                </a:r>
+                <a:endParaRPr lang="sv-SE" b="1" dirty="0"/>
+              </a:p>
+            </p:txBody>
+          </p:sp>
+        </p:grpSp>
+      </p:grpSp>
     </p:spTree>
   </p:cSld>
   <p:clrMapOvr>
@@ -23633,15 +24143,15 @@
         </p:nvPicPr>
         <p:blipFill>
           <a:blip r:embed="rId2" cstate="print"/>
-          <a:srcRect/>
+          <a:srcRect l="1902" t="6897" r="8044" b="1304"/>
           <a:stretch>
             <a:fillRect/>
           </a:stretch>
         </p:blipFill>
         <p:spPr bwMode="auto">
           <a:xfrm>
-            <a:off x="1482725" y="688975"/>
-            <a:ext cx="6176963" cy="5478463"/>
+            <a:off x="1600200" y="1066800"/>
+            <a:ext cx="5562600" cy="5029200"/>
           </a:xfrm>
           <a:prstGeom prst="rect">
             <a:avLst/>
@@ -23767,6 +24277,161 @@
           </a:p>
         </p:txBody>
       </p:sp>
+      <p:grpSp>
+        <p:nvGrpSpPr>
+          <p:cNvPr id="7" name="Group 6"/>
+          <p:cNvGrpSpPr/>
+          <p:nvPr/>
+        </p:nvGrpSpPr>
+        <p:grpSpPr>
+          <a:xfrm>
+            <a:off x="3962400" y="2895600"/>
+            <a:ext cx="2743200" cy="2045732"/>
+            <a:chOff x="3962400" y="2895600"/>
+            <a:chExt cx="2743200" cy="2045732"/>
+          </a:xfrm>
+        </p:grpSpPr>
+        <p:sp>
+          <p:nvSpPr>
+            <p:cNvPr id="8" name="TextBox 7"/>
+            <p:cNvSpPr txBox="1"/>
+            <p:nvPr/>
+          </p:nvSpPr>
+          <p:spPr>
+            <a:xfrm>
+              <a:off x="5638800" y="4572000"/>
+              <a:ext cx="1066800" cy="369332"/>
+            </a:xfrm>
+            <a:prstGeom prst="rect">
+              <a:avLst/>
+            </a:prstGeom>
+            <a:noFill/>
+          </p:spPr>
+          <p:txBody>
+            <a:bodyPr wrap="square" rtlCol="0">
+              <a:spAutoFit/>
+            </a:bodyPr>
+            <a:lstStyle/>
+            <a:p>
+              <a:r>
+                <a:rPr lang="sv-SE" b="1" dirty="0" smtClean="0"/>
+                <a:t>20</a:t>
+              </a:r>
+              <a:r>
+                <a:rPr lang="el-GR" b="1" dirty="0" smtClean="0"/>
+                <a:t>τ</a:t>
+              </a:r>
+              <a:endParaRPr lang="sv-SE" b="1" dirty="0"/>
+            </a:p>
+          </p:txBody>
+        </p:sp>
+        <p:sp>
+          <p:nvSpPr>
+            <p:cNvPr id="9" name="TextBox 8"/>
+            <p:cNvSpPr txBox="1"/>
+            <p:nvPr/>
+          </p:nvSpPr>
+          <p:spPr>
+            <a:xfrm>
+              <a:off x="4953000" y="3897868"/>
+              <a:ext cx="1066800" cy="369332"/>
+            </a:xfrm>
+            <a:prstGeom prst="rect">
+              <a:avLst/>
+            </a:prstGeom>
+            <a:noFill/>
+          </p:spPr>
+          <p:txBody>
+            <a:bodyPr wrap="square" rtlCol="0">
+              <a:spAutoFit/>
+            </a:bodyPr>
+            <a:lstStyle/>
+            <a:p>
+              <a:r>
+                <a:rPr lang="sv-SE" b="1" dirty="0" smtClean="0"/>
+                <a:t>100</a:t>
+              </a:r>
+              <a:r>
+                <a:rPr lang="el-GR" b="1" dirty="0" smtClean="0"/>
+                <a:t>τ</a:t>
+              </a:r>
+              <a:endParaRPr lang="sv-SE" b="1" dirty="0"/>
+            </a:p>
+          </p:txBody>
+        </p:sp>
+        <p:sp>
+          <p:nvSpPr>
+            <p:cNvPr id="10" name="TextBox 9"/>
+            <p:cNvSpPr txBox="1"/>
+            <p:nvPr/>
+          </p:nvSpPr>
+          <p:spPr>
+            <a:xfrm>
+              <a:off x="4572000" y="3440668"/>
+              <a:ext cx="1066800" cy="369332"/>
+            </a:xfrm>
+            <a:prstGeom prst="rect">
+              <a:avLst/>
+            </a:prstGeom>
+            <a:noFill/>
+          </p:spPr>
+          <p:txBody>
+            <a:bodyPr wrap="square" rtlCol="0">
+              <a:spAutoFit/>
+            </a:bodyPr>
+            <a:lstStyle/>
+            <a:p>
+              <a:r>
+                <a:rPr lang="sv-SE" b="1" dirty="0" smtClean="0"/>
+                <a:t>2</a:t>
+              </a:r>
+              <a:r>
+                <a:rPr lang="sv-SE" b="1" dirty="0" smtClean="0"/>
+                <a:t>00</a:t>
+              </a:r>
+              <a:r>
+                <a:rPr lang="el-GR" b="1" dirty="0" smtClean="0"/>
+                <a:t>τ</a:t>
+              </a:r>
+              <a:endParaRPr lang="sv-SE" b="1" dirty="0"/>
+            </a:p>
+          </p:txBody>
+        </p:sp>
+        <p:sp>
+          <p:nvSpPr>
+            <p:cNvPr id="11" name="TextBox 10"/>
+            <p:cNvSpPr txBox="1"/>
+            <p:nvPr/>
+          </p:nvSpPr>
+          <p:spPr>
+            <a:xfrm>
+              <a:off x="3962400" y="2895600"/>
+              <a:ext cx="1066800" cy="369332"/>
+            </a:xfrm>
+            <a:prstGeom prst="rect">
+              <a:avLst/>
+            </a:prstGeom>
+            <a:noFill/>
+          </p:spPr>
+          <p:txBody>
+            <a:bodyPr wrap="square" rtlCol="0">
+              <a:spAutoFit/>
+            </a:bodyPr>
+            <a:lstStyle/>
+            <a:p>
+              <a:r>
+                <a:rPr lang="sv-SE" b="1" dirty="0" smtClean="0"/>
+                <a:t>1500</a:t>
+              </a:r>
+              <a:r>
+                <a:rPr lang="el-GR" b="1" dirty="0" smtClean="0"/>
+                <a:t>τ</a:t>
+              </a:r>
+              <a:endParaRPr lang="sv-SE" b="1" dirty="0"/>
+            </a:p>
+          </p:txBody>
+        </p:sp>
+      </p:grpSp>
     </p:spTree>
   </p:cSld>
   <p:clrMapOvr>
@@ -23917,120 +24582,6 @@
           <a:chExt cx="0" cy="0"/>
         </a:xfrm>
       </p:grpSpPr>
-      <p:pic>
-        <p:nvPicPr>
-          <p:cNvPr id="3" name="Picture 2"/>
-          <p:cNvPicPr>
-            <a:picLocks noChangeAspect="1" noChangeArrowheads="1"/>
-          </p:cNvPicPr>
-          <p:nvPr/>
-        </p:nvPicPr>
-        <p:blipFill>
-          <a:blip r:embed="rId2" cstate="print"/>
-          <a:srcRect/>
-          <a:stretch>
-            <a:fillRect/>
-          </a:stretch>
-        </p:blipFill>
-        <p:spPr bwMode="auto">
-          <a:xfrm>
-            <a:off x="1482725" y="688975"/>
-            <a:ext cx="6176963" cy="5478463"/>
-          </a:xfrm>
-          <a:prstGeom prst="rect">
-            <a:avLst/>
-          </a:prstGeom>
-          <a:noFill/>
-          <a:ln w="9525">
-            <a:noFill/>
-            <a:miter lim="800000"/>
-            <a:headEnd/>
-            <a:tailEnd/>
-          </a:ln>
-          <a:effectLst/>
-        </p:spPr>
-      </p:pic>
-      <p:grpSp>
-        <p:nvGrpSpPr>
-          <p:cNvPr id="2" name="그룹 4"/>
-          <p:cNvGrpSpPr/>
-          <p:nvPr/>
-        </p:nvGrpSpPr>
-        <p:grpSpPr>
-          <a:xfrm>
-            <a:off x="2667000" y="1371600"/>
-            <a:ext cx="2743200" cy="990600"/>
-            <a:chOff x="2667000" y="1371600"/>
-            <a:chExt cx="2743200" cy="990600"/>
-          </a:xfrm>
-        </p:grpSpPr>
-        <p:pic>
-          <p:nvPicPr>
-            <p:cNvPr id="1027" name="Picture 3"/>
-            <p:cNvPicPr>
-              <a:picLocks noChangeAspect="1" noChangeArrowheads="1"/>
-            </p:cNvPicPr>
-            <p:nvPr/>
-          </p:nvPicPr>
-          <p:blipFill>
-            <a:blip r:embed="rId3" cstate="print"/>
-            <a:srcRect l="36443" t="12460" r="27782" b="69458"/>
-            <a:stretch>
-              <a:fillRect/>
-            </a:stretch>
-          </p:blipFill>
-          <p:spPr bwMode="auto">
-            <a:xfrm>
-              <a:off x="3200400" y="1371600"/>
-              <a:ext cx="2209800" cy="990600"/>
-            </a:xfrm>
-            <a:prstGeom prst="rect">
-              <a:avLst/>
-            </a:prstGeom>
-            <a:noFill/>
-            <a:ln w="9525">
-              <a:noFill/>
-              <a:miter lim="800000"/>
-              <a:headEnd/>
-              <a:tailEnd/>
-            </a:ln>
-            <a:effectLst/>
-          </p:spPr>
-        </p:pic>
-        <p:pic>
-          <p:nvPicPr>
-            <p:cNvPr id="1028" name="Picture 4"/>
-            <p:cNvPicPr>
-              <a:picLocks noChangeAspect="1" noChangeArrowheads="1"/>
-            </p:cNvPicPr>
-            <p:nvPr/>
-          </p:nvPicPr>
-          <p:blipFill>
-            <a:blip r:embed="rId4" cstate="print"/>
-            <a:srcRect l="22873" t="13851" r="68492" b="68067"/>
-            <a:stretch>
-              <a:fillRect/>
-            </a:stretch>
-          </p:blipFill>
-          <p:spPr bwMode="auto">
-            <a:xfrm>
-              <a:off x="2667000" y="1371600"/>
-              <a:ext cx="533400" cy="990600"/>
-            </a:xfrm>
-            <a:prstGeom prst="rect">
-              <a:avLst/>
-            </a:prstGeom>
-            <a:noFill/>
-            <a:ln w="9525">
-              <a:noFill/>
-              <a:miter lim="800000"/>
-              <a:headEnd/>
-              <a:tailEnd/>
-            </a:ln>
-            <a:effectLst/>
-          </p:spPr>
-        </p:pic>
-      </p:grpSp>
       <p:sp>
         <p:nvSpPr>
           <p:cNvPr id="6" name="TextBox 5"/>
@@ -24061,6 +24612,290 @@
           </a:p>
         </p:txBody>
       </p:sp>
+      <p:grpSp>
+        <p:nvGrpSpPr>
+          <p:cNvPr id="12" name="Group 11"/>
+          <p:cNvGrpSpPr/>
+          <p:nvPr/>
+        </p:nvGrpSpPr>
+        <p:grpSpPr>
+          <a:xfrm>
+            <a:off x="1600200" y="1066800"/>
+            <a:ext cx="5562600" cy="5029200"/>
+            <a:chOff x="1600200" y="1066800"/>
+            <a:chExt cx="5562600" cy="5029200"/>
+          </a:xfrm>
+        </p:grpSpPr>
+        <p:pic>
+          <p:nvPicPr>
+            <p:cNvPr id="3" name="Picture 2"/>
+            <p:cNvPicPr>
+              <a:picLocks noChangeAspect="1" noChangeArrowheads="1"/>
+            </p:cNvPicPr>
+            <p:nvPr/>
+          </p:nvPicPr>
+          <p:blipFill>
+            <a:blip r:embed="rId2" cstate="print"/>
+            <a:srcRect l="1902" t="6897" r="8044" b="1304"/>
+            <a:stretch>
+              <a:fillRect/>
+            </a:stretch>
+          </p:blipFill>
+          <p:spPr bwMode="auto">
+            <a:xfrm>
+              <a:off x="1600200" y="1066800"/>
+              <a:ext cx="5562600" cy="5029200"/>
+            </a:xfrm>
+            <a:prstGeom prst="rect">
+              <a:avLst/>
+            </a:prstGeom>
+            <a:noFill/>
+            <a:ln w="9525">
+              <a:noFill/>
+              <a:miter lim="800000"/>
+              <a:headEnd/>
+              <a:tailEnd/>
+            </a:ln>
+            <a:effectLst/>
+          </p:spPr>
+        </p:pic>
+        <p:grpSp>
+          <p:nvGrpSpPr>
+            <p:cNvPr id="2" name="그룹 4"/>
+            <p:cNvGrpSpPr/>
+            <p:nvPr/>
+          </p:nvGrpSpPr>
+          <p:grpSpPr>
+            <a:xfrm>
+              <a:off x="2667000" y="1371600"/>
+              <a:ext cx="2743200" cy="990600"/>
+              <a:chOff x="2667000" y="1371600"/>
+              <a:chExt cx="2743200" cy="990600"/>
+            </a:xfrm>
+          </p:grpSpPr>
+          <p:pic>
+            <p:nvPicPr>
+              <p:cNvPr id="1027" name="Picture 3"/>
+              <p:cNvPicPr>
+                <a:picLocks noChangeAspect="1" noChangeArrowheads="1"/>
+              </p:cNvPicPr>
+              <p:nvPr/>
+            </p:nvPicPr>
+            <p:blipFill>
+              <a:blip r:embed="rId3" cstate="print"/>
+              <a:srcRect l="36443" t="12460" r="27782" b="69458"/>
+              <a:stretch>
+                <a:fillRect/>
+              </a:stretch>
+            </p:blipFill>
+            <p:spPr bwMode="auto">
+              <a:xfrm>
+                <a:off x="3200400" y="1371600"/>
+                <a:ext cx="2209800" cy="990600"/>
+              </a:xfrm>
+              <a:prstGeom prst="rect">
+                <a:avLst/>
+              </a:prstGeom>
+              <a:noFill/>
+              <a:ln w="9525">
+                <a:noFill/>
+                <a:miter lim="800000"/>
+                <a:headEnd/>
+                <a:tailEnd/>
+              </a:ln>
+              <a:effectLst/>
+            </p:spPr>
+          </p:pic>
+          <p:pic>
+            <p:nvPicPr>
+              <p:cNvPr id="1028" name="Picture 4"/>
+              <p:cNvPicPr>
+                <a:picLocks noChangeAspect="1" noChangeArrowheads="1"/>
+              </p:cNvPicPr>
+              <p:nvPr/>
+            </p:nvPicPr>
+            <p:blipFill>
+              <a:blip r:embed="rId4" cstate="print"/>
+              <a:srcRect l="22873" t="13851" r="68492" b="68067"/>
+              <a:stretch>
+                <a:fillRect/>
+              </a:stretch>
+            </p:blipFill>
+            <p:spPr bwMode="auto">
+              <a:xfrm>
+                <a:off x="2667000" y="1371600"/>
+                <a:ext cx="533400" cy="990600"/>
+              </a:xfrm>
+              <a:prstGeom prst="rect">
+                <a:avLst/>
+              </a:prstGeom>
+              <a:noFill/>
+              <a:ln w="9525">
+                <a:noFill/>
+                <a:miter lim="800000"/>
+                <a:headEnd/>
+                <a:tailEnd/>
+              </a:ln>
+              <a:effectLst/>
+            </p:spPr>
+          </p:pic>
+        </p:grpSp>
+        <p:grpSp>
+          <p:nvGrpSpPr>
+            <p:cNvPr id="7" name="Group 6"/>
+            <p:cNvGrpSpPr/>
+            <p:nvPr/>
+          </p:nvGrpSpPr>
+          <p:grpSpPr>
+            <a:xfrm>
+              <a:off x="3962400" y="2895600"/>
+              <a:ext cx="2743200" cy="2045732"/>
+              <a:chOff x="3962400" y="2895600"/>
+              <a:chExt cx="2743200" cy="2045732"/>
+            </a:xfrm>
+          </p:grpSpPr>
+          <p:sp>
+            <p:nvSpPr>
+              <p:cNvPr id="8" name="TextBox 7"/>
+              <p:cNvSpPr txBox="1"/>
+              <p:nvPr/>
+            </p:nvSpPr>
+            <p:spPr>
+              <a:xfrm>
+                <a:off x="5638800" y="4572000"/>
+                <a:ext cx="1066800" cy="369332"/>
+              </a:xfrm>
+              <a:prstGeom prst="rect">
+                <a:avLst/>
+              </a:prstGeom>
+              <a:noFill/>
+            </p:spPr>
+            <p:txBody>
+              <a:bodyPr wrap="square" rtlCol="0">
+                <a:spAutoFit/>
+              </a:bodyPr>
+              <a:lstStyle/>
+              <a:p>
+                <a:r>
+                  <a:rPr lang="sv-SE" b="1" dirty="0" smtClean="0"/>
+                  <a:t>20</a:t>
+                </a:r>
+                <a:r>
+                  <a:rPr lang="el-GR" b="1" dirty="0" smtClean="0"/>
+                  <a:t>τ</a:t>
+                </a:r>
+                <a:endParaRPr lang="sv-SE" b="1" dirty="0"/>
+              </a:p>
+            </p:txBody>
+          </p:sp>
+          <p:sp>
+            <p:nvSpPr>
+              <p:cNvPr id="9" name="TextBox 8"/>
+              <p:cNvSpPr txBox="1"/>
+              <p:nvPr/>
+            </p:nvSpPr>
+            <p:spPr>
+              <a:xfrm>
+                <a:off x="4953000" y="3897868"/>
+                <a:ext cx="1066800" cy="369332"/>
+              </a:xfrm>
+              <a:prstGeom prst="rect">
+                <a:avLst/>
+              </a:prstGeom>
+              <a:noFill/>
+            </p:spPr>
+            <p:txBody>
+              <a:bodyPr wrap="square" rtlCol="0">
+                <a:spAutoFit/>
+              </a:bodyPr>
+              <a:lstStyle/>
+              <a:p>
+                <a:r>
+                  <a:rPr lang="sv-SE" b="1" dirty="0" smtClean="0"/>
+                  <a:t>100</a:t>
+                </a:r>
+                <a:r>
+                  <a:rPr lang="el-GR" b="1" dirty="0" smtClean="0"/>
+                  <a:t>τ</a:t>
+                </a:r>
+                <a:endParaRPr lang="sv-SE" b="1" dirty="0"/>
+              </a:p>
+            </p:txBody>
+          </p:sp>
+          <p:sp>
+            <p:nvSpPr>
+              <p:cNvPr id="10" name="TextBox 9"/>
+              <p:cNvSpPr txBox="1"/>
+              <p:nvPr/>
+            </p:nvSpPr>
+            <p:spPr>
+              <a:xfrm>
+                <a:off x="4572000" y="3440668"/>
+                <a:ext cx="1066800" cy="369332"/>
+              </a:xfrm>
+              <a:prstGeom prst="rect">
+                <a:avLst/>
+              </a:prstGeom>
+              <a:noFill/>
+            </p:spPr>
+            <p:txBody>
+              <a:bodyPr wrap="square" rtlCol="0">
+                <a:spAutoFit/>
+              </a:bodyPr>
+              <a:lstStyle/>
+              <a:p>
+                <a:r>
+                  <a:rPr lang="sv-SE" b="1" dirty="0" smtClean="0"/>
+                  <a:t>2</a:t>
+                </a:r>
+                <a:r>
+                  <a:rPr lang="sv-SE" b="1" dirty="0" smtClean="0"/>
+                  <a:t>00</a:t>
+                </a:r>
+                <a:r>
+                  <a:rPr lang="el-GR" b="1" dirty="0" smtClean="0"/>
+                  <a:t>τ</a:t>
+                </a:r>
+                <a:endParaRPr lang="sv-SE" b="1" dirty="0"/>
+              </a:p>
+            </p:txBody>
+          </p:sp>
+          <p:sp>
+            <p:nvSpPr>
+              <p:cNvPr id="11" name="TextBox 10"/>
+              <p:cNvSpPr txBox="1"/>
+              <p:nvPr/>
+            </p:nvSpPr>
+            <p:spPr>
+              <a:xfrm>
+                <a:off x="3962400" y="2895600"/>
+                <a:ext cx="1066800" cy="369332"/>
+              </a:xfrm>
+              <a:prstGeom prst="rect">
+                <a:avLst/>
+              </a:prstGeom>
+              <a:noFill/>
+            </p:spPr>
+            <p:txBody>
+              <a:bodyPr wrap="square" rtlCol="0">
+                <a:spAutoFit/>
+              </a:bodyPr>
+              <a:lstStyle/>
+              <a:p>
+                <a:r>
+                  <a:rPr lang="sv-SE" b="1" dirty="0" smtClean="0"/>
+                  <a:t>1500</a:t>
+                </a:r>
+                <a:r>
+                  <a:rPr lang="el-GR" b="1" dirty="0" smtClean="0"/>
+                  <a:t>τ</a:t>
+                </a:r>
+                <a:endParaRPr lang="sv-SE" b="1" dirty="0"/>
+              </a:p>
+            </p:txBody>
+          </p:sp>
+        </p:grpSp>
+      </p:grpSp>
     </p:spTree>
   </p:cSld>
   <p:clrMapOvr>
@@ -24126,15 +24961,15 @@
         </p:nvPicPr>
         <p:blipFill>
           <a:blip r:embed="rId2" cstate="print"/>
-          <a:srcRect/>
+          <a:srcRect l="668" t="5506" r="1876" b="1304"/>
           <a:stretch>
             <a:fillRect/>
           </a:stretch>
         </p:blipFill>
         <p:spPr bwMode="auto">
           <a:xfrm>
-            <a:off x="1482725" y="688975"/>
-            <a:ext cx="6176963" cy="5478463"/>
+            <a:off x="1524000" y="990600"/>
+            <a:ext cx="6019800" cy="5105400"/>
           </a:xfrm>
           <a:prstGeom prst="rect">
             <a:avLst/>
@@ -24214,15 +25049,15 @@
         </p:nvPicPr>
         <p:blipFill>
           <a:blip r:embed="rId2" cstate="print"/>
-          <a:srcRect/>
+          <a:srcRect l="1902" t="5506" r="1876" b="1304"/>
           <a:stretch>
             <a:fillRect/>
           </a:stretch>
         </p:blipFill>
         <p:spPr bwMode="auto">
           <a:xfrm>
-            <a:off x="1482725" y="688975"/>
-            <a:ext cx="6176963" cy="5478463"/>
+            <a:off x="1600200" y="990600"/>
+            <a:ext cx="5943600" cy="5105400"/>
           </a:xfrm>
           <a:prstGeom prst="rect">
             <a:avLst/>
